--- a/resource/base-key-pptx.pptx
+++ b/resource/base-key-pptx.pptx
@@ -1,15 +1,12 @@
 
 <file path=ppt/presentation.xml><?xml version="1.0" encoding="utf-8"?>
-<p:presentation xmlns:a="http://schemas.openxmlformats.org/drawingml/2006/main" xmlns:r="http://schemas.openxmlformats.org/officeDocument/2006/relationships" xmlns:p="http://schemas.openxmlformats.org/presentationml/2006/main" xmlns:m="http://schemas.openxmlformats.org/officeDocument/2006/math" xmlns:a14="http://schemas.microsoft.com/office/drawing/2010/main">
+<p:presentation xmlns:a="http://schemas.openxmlformats.org/drawingml/2006/main" xmlns:r="http://schemas.openxmlformats.org/officeDocument/2006/relationships" xmlns:p="http://schemas.openxmlformats.org/presentationml/2006/main">
   <p:sldMasterIdLst>
-    <p:sldMasterId id="2147483648" r:id="rId5"/>
+    <p:sldMasterId id="2147483648" r:id="rId1"/>
   </p:sldMasterIdLst>
   <p:notesMasterIdLst>
-    <p:notesMasterId r:id="rId7"/>
+    <p:notesMasterId r:id="rId2"/>
   </p:notesMasterIdLst>
-  <p:sldIdLst>
-    <p:sldId id="256" r:id="rId8"/>
-  </p:sldIdLst>
   <p:sldSz cx="24384000" cy="13716000"/>
   <p:notesSz cx="6858000" cy="9144000"/>
   <p:defaultTextStyle>
@@ -28,7 +25,7 @@
       <a:buFontTx/>
       <a:buNone/>
       <a:tabLst/>
-      <a:defRPr b="0" baseline="0" cap="none" i="0" spc="0" strike="noStrike" sz="1800" u="none" kumimoji="0" normalizeH="0">
+      <a:defRPr kumimoji="0" sz="1800" b="0" i="0" u="none" strike="noStrike" cap="none" spc="0" normalizeH="0" baseline="0">
         <a:ln>
           <a:noFill/>
         </a:ln>
@@ -54,7 +51,7 @@
       <a:buFontTx/>
       <a:buNone/>
       <a:tabLst/>
-      <a:defRPr b="1" baseline="0" cap="none" i="0" spc="0" strike="noStrike" sz="8000" u="none" kumimoji="0" normalizeH="0">
+      <a:defRPr kumimoji="0" sz="8000" b="1" i="0" u="none" strike="noStrike" cap="none" spc="0" normalizeH="0" baseline="0">
         <a:ln>
           <a:noFill/>
         </a:ln>
@@ -62,7 +59,7 @@
           <a:srgbClr val="FFFFFF"/>
         </a:solidFill>
         <a:effectLst>
-          <a:outerShdw sx="100000" sy="100000" kx="0" ky="0" algn="b" rotWithShape="0" blurRad="38100" dist="38100" dir="2700000">
+          <a:outerShdw blurRad="38100" dist="38100" dir="2700000" rotWithShape="0">
             <a:srgbClr val="000000">
               <a:alpha val="43137"/>
             </a:srgbClr>
@@ -90,7 +87,7 @@
       <a:buFontTx/>
       <a:buNone/>
       <a:tabLst/>
-      <a:defRPr b="1" baseline="0" cap="none" i="0" spc="0" strike="noStrike" sz="8000" u="none" kumimoji="0" normalizeH="0">
+      <a:defRPr kumimoji="0" sz="8000" b="1" i="0" u="none" strike="noStrike" cap="none" spc="0" normalizeH="0" baseline="0">
         <a:ln>
           <a:noFill/>
         </a:ln>
@@ -98,7 +95,7 @@
           <a:srgbClr val="FFFFFF"/>
         </a:solidFill>
         <a:effectLst>
-          <a:outerShdw sx="100000" sy="100000" kx="0" ky="0" algn="b" rotWithShape="0" blurRad="38100" dist="38100" dir="2700000">
+          <a:outerShdw blurRad="38100" dist="38100" dir="2700000" rotWithShape="0">
             <a:srgbClr val="000000">
               <a:alpha val="43137"/>
             </a:srgbClr>
@@ -126,7 +123,7 @@
       <a:buFontTx/>
       <a:buNone/>
       <a:tabLst/>
-      <a:defRPr b="1" baseline="0" cap="none" i="0" spc="0" strike="noStrike" sz="8000" u="none" kumimoji="0" normalizeH="0">
+      <a:defRPr kumimoji="0" sz="8000" b="1" i="0" u="none" strike="noStrike" cap="none" spc="0" normalizeH="0" baseline="0">
         <a:ln>
           <a:noFill/>
         </a:ln>
@@ -134,7 +131,7 @@
           <a:srgbClr val="FFFFFF"/>
         </a:solidFill>
         <a:effectLst>
-          <a:outerShdw sx="100000" sy="100000" kx="0" ky="0" algn="b" rotWithShape="0" blurRad="38100" dist="38100" dir="2700000">
+          <a:outerShdw blurRad="38100" dist="38100" dir="2700000" rotWithShape="0">
             <a:srgbClr val="000000">
               <a:alpha val="43137"/>
             </a:srgbClr>
@@ -162,7 +159,7 @@
       <a:buFontTx/>
       <a:buNone/>
       <a:tabLst/>
-      <a:defRPr b="1" baseline="0" cap="none" i="0" spc="0" strike="noStrike" sz="8000" u="none" kumimoji="0" normalizeH="0">
+      <a:defRPr kumimoji="0" sz="8000" b="1" i="0" u="none" strike="noStrike" cap="none" spc="0" normalizeH="0" baseline="0">
         <a:ln>
           <a:noFill/>
         </a:ln>
@@ -170,7 +167,7 @@
           <a:srgbClr val="FFFFFF"/>
         </a:solidFill>
         <a:effectLst>
-          <a:outerShdw sx="100000" sy="100000" kx="0" ky="0" algn="b" rotWithShape="0" blurRad="38100" dist="38100" dir="2700000">
+          <a:outerShdw blurRad="38100" dist="38100" dir="2700000" rotWithShape="0">
             <a:srgbClr val="000000">
               <a:alpha val="43137"/>
             </a:srgbClr>
@@ -198,7 +195,7 @@
       <a:buFontTx/>
       <a:buNone/>
       <a:tabLst/>
-      <a:defRPr b="1" baseline="0" cap="none" i="0" spc="0" strike="noStrike" sz="8000" u="none" kumimoji="0" normalizeH="0">
+      <a:defRPr kumimoji="0" sz="8000" b="1" i="0" u="none" strike="noStrike" cap="none" spc="0" normalizeH="0" baseline="0">
         <a:ln>
           <a:noFill/>
         </a:ln>
@@ -206,7 +203,7 @@
           <a:srgbClr val="FFFFFF"/>
         </a:solidFill>
         <a:effectLst>
-          <a:outerShdw sx="100000" sy="100000" kx="0" ky="0" algn="b" rotWithShape="0" blurRad="38100" dist="38100" dir="2700000">
+          <a:outerShdw blurRad="38100" dist="38100" dir="2700000" rotWithShape="0">
             <a:srgbClr val="000000">
               <a:alpha val="43137"/>
             </a:srgbClr>
@@ -234,7 +231,7 @@
       <a:buFontTx/>
       <a:buChar char="•"/>
       <a:tabLst/>
-      <a:defRPr b="1" baseline="0" cap="none" i="0" spc="0" strike="noStrike" sz="8000" u="none" kumimoji="0" normalizeH="0">
+      <a:defRPr kumimoji="0" sz="8000" b="1" i="0" u="none" strike="noStrike" cap="none" spc="0" normalizeH="0" baseline="0">
         <a:ln>
           <a:noFill/>
         </a:ln>
@@ -242,7 +239,7 @@
           <a:srgbClr val="FFFFFF"/>
         </a:solidFill>
         <a:effectLst>
-          <a:outerShdw sx="100000" sy="100000" kx="0" ky="0" algn="b" rotWithShape="0" blurRad="38100" dist="38100" dir="2700000">
+          <a:outerShdw blurRad="38100" dist="38100" dir="2700000" rotWithShape="0">
             <a:srgbClr val="000000">
               <a:alpha val="43137"/>
             </a:srgbClr>
@@ -270,7 +267,7 @@
       <a:buFontTx/>
       <a:buChar char="•"/>
       <a:tabLst/>
-      <a:defRPr b="1" baseline="0" cap="none" i="0" spc="0" strike="noStrike" sz="8000" u="none" kumimoji="0" normalizeH="0">
+      <a:defRPr kumimoji="0" sz="8000" b="1" i="0" u="none" strike="noStrike" cap="none" spc="0" normalizeH="0" baseline="0">
         <a:ln>
           <a:noFill/>
         </a:ln>
@@ -278,7 +275,7 @@
           <a:srgbClr val="FFFFFF"/>
         </a:solidFill>
         <a:effectLst>
-          <a:outerShdw sx="100000" sy="100000" kx="0" ky="0" algn="b" rotWithShape="0" blurRad="38100" dist="38100" dir="2700000">
+          <a:outerShdw blurRad="38100" dist="38100" dir="2700000" rotWithShape="0">
             <a:srgbClr val="000000">
               <a:alpha val="43137"/>
             </a:srgbClr>
@@ -306,7 +303,7 @@
       <a:buFontTx/>
       <a:buChar char="•"/>
       <a:tabLst/>
-      <a:defRPr b="1" baseline="0" cap="none" i="0" spc="0" strike="noStrike" sz="8000" u="none" kumimoji="0" normalizeH="0">
+      <a:defRPr kumimoji="0" sz="8000" b="1" i="0" u="none" strike="noStrike" cap="none" spc="0" normalizeH="0" baseline="0">
         <a:ln>
           <a:noFill/>
         </a:ln>
@@ -314,7 +311,7 @@
           <a:srgbClr val="FFFFFF"/>
         </a:solidFill>
         <a:effectLst>
-          <a:outerShdw sx="100000" sy="100000" kx="0" ky="0" algn="b" rotWithShape="0" blurRad="38100" dist="38100" dir="2700000">
+          <a:outerShdw blurRad="38100" dist="38100" dir="2700000" rotWithShape="0">
             <a:srgbClr val="000000">
               <a:alpha val="43137"/>
             </a:srgbClr>
@@ -342,7 +339,7 @@
       <a:buFontTx/>
       <a:buChar char="•"/>
       <a:tabLst/>
-      <a:defRPr b="1" baseline="0" cap="none" i="0" spc="0" strike="noStrike" sz="8000" u="none" kumimoji="0" normalizeH="0">
+      <a:defRPr kumimoji="0" sz="8000" b="1" i="0" u="none" strike="noStrike" cap="none" spc="0" normalizeH="0" baseline="0">
         <a:ln>
           <a:noFill/>
         </a:ln>
@@ -350,7 +347,7 @@
           <a:srgbClr val="FFFFFF"/>
         </a:solidFill>
         <a:effectLst>
-          <a:outerShdw sx="100000" sy="100000" kx="0" ky="0" algn="b" rotWithShape="0" blurRad="38100" dist="38100" dir="2700000">
+          <a:outerShdw blurRad="38100" dist="38100" dir="2700000" rotWithShape="0">
             <a:srgbClr val="000000">
               <a:alpha val="43137"/>
             </a:srgbClr>
@@ -367,13 +364,14 @@
 </p:presentation>
 </file>
 
-<file path=ppt/commentAuthors.xml><?xml version="1.0" encoding="utf-8"?>
-<p:cmAuthorLst xmlns:a="http://schemas.openxmlformats.org/drawingml/2006/main" xmlns:r="http://schemas.openxmlformats.org/officeDocument/2006/relationships" xmlns:p="http://schemas.openxmlformats.org/presentationml/2006/main" xmlns:m="http://schemas.openxmlformats.org/officeDocument/2006/math" xmlns:a14="http://schemas.microsoft.com/office/drawing/2010/main"/>
-</file>
-
 <file path=ppt/notesMasters/notesMaster1.xml><?xml version="1.0" encoding="utf-8"?>
-<p:notesMaster xmlns:a="http://schemas.openxmlformats.org/drawingml/2006/main" xmlns:r="http://schemas.openxmlformats.org/officeDocument/2006/relationships" xmlns:p="http://schemas.openxmlformats.org/presentationml/2006/main" xmlns:m="http://schemas.openxmlformats.org/officeDocument/2006/math" xmlns:a14="http://schemas.microsoft.com/office/drawing/2010/main">
+<p:notesMaster xmlns:a="http://schemas.openxmlformats.org/drawingml/2006/main" xmlns:r="http://schemas.openxmlformats.org/officeDocument/2006/relationships" xmlns:p="http://schemas.openxmlformats.org/presentationml/2006/main">
   <p:cSld>
+    <p:bg>
+      <p:bgRef idx="1001">
+        <a:schemeClr val="bg1"/>
+      </p:bgRef>
+    </p:bg>
     <p:spTree>
       <p:nvGrpSpPr>
         <p:cNvPr id="1" name=""/>
@@ -390,8 +388,10 @@
       </p:grpSpPr>
       <p:sp>
         <p:nvSpPr>
-          <p:cNvPr id="21" name="Shape 21"/>
-          <p:cNvSpPr/>
+          <p:cNvPr id="30" name="Shape 30"/>
+          <p:cNvSpPr>
+            <a:spLocks noGrp="1" noRot="1" noChangeAspect="1"/>
+          </p:cNvSpPr>
           <p:nvPr>
             <p:ph type="sldImg"/>
           </p:nvPr>
@@ -409,14 +409,16 @@
           <a:bodyPr/>
           <a:lstStyle/>
           <a:p>
-            <a:pPr/>
+            <a:endParaRPr/>
           </a:p>
         </p:txBody>
       </p:sp>
       <p:sp>
         <p:nvSpPr>
-          <p:cNvPr id="22" name="Shape 22"/>
-          <p:cNvSpPr/>
+          <p:cNvPr id="31" name="Shape 31"/>
+          <p:cNvSpPr>
+            <a:spLocks noGrp="1"/>
+          </p:cNvSpPr>
           <p:nvPr>
             <p:ph type="body" sz="quarter" idx="1"/>
           </p:nvPr>
@@ -434,7 +436,7 @@
           <a:bodyPr/>
           <a:lstStyle/>
           <a:p>
-            <a:pPr/>
+            <a:endParaRPr/>
           </a:p>
         </p:txBody>
       </p:sp>
@@ -519,8 +521,8 @@
 </file>
 
 <file path=ppt/slideLayouts/slideLayout1.xml><?xml version="1.0" encoding="utf-8"?>
-<p:sldLayout xmlns:a="http://schemas.openxmlformats.org/drawingml/2006/main" xmlns:r="http://schemas.openxmlformats.org/officeDocument/2006/relationships" xmlns:p="http://schemas.openxmlformats.org/presentationml/2006/main" xmlns:m="http://schemas.openxmlformats.org/officeDocument/2006/math" xmlns:a14="http://schemas.microsoft.com/office/drawing/2010/main" type="title" showMasterSp="1" showMasterPhAnim="1">
-  <p:cSld name="제목 및 내용">
+<p:sldLayout xmlns:a="http://schemas.openxmlformats.org/drawingml/2006/main" xmlns:r="http://schemas.openxmlformats.org/officeDocument/2006/relationships" xmlns:p="http://schemas.openxmlformats.org/presentationml/2006/main" type="tx">
+  <p:cSld name="가사PPT">
     <p:spTree>
       <p:nvGrpSpPr>
         <p:cNvPr id="1" name=""/>
@@ -537,8 +539,10 @@
       </p:grpSpPr>
       <p:sp>
         <p:nvSpPr>
-          <p:cNvPr id="13" name="제목 텍스트"/>
-          <p:cNvSpPr txBox="1"/>
+          <p:cNvPr id="22" name="제목 텍스트"/>
+          <p:cNvSpPr txBox="1">
+            <a:spLocks noGrp="1"/>
+          </p:cNvSpPr>
           <p:nvPr>
             <p:ph type="title"/>
           </p:nvPr>
@@ -552,7 +556,6 @@
           <a:bodyPr/>
           <a:lstStyle/>
           <a:p>
-            <a:pPr/>
             <a:r>
               <a:t>제목 텍스트</a:t>
             </a:r>
@@ -561,10 +564,12 @@
       </p:sp>
       <p:sp>
         <p:nvSpPr>
-          <p:cNvPr id="14" name="본문 첫 번째 줄…"/>
-          <p:cNvSpPr txBox="1"/>
+          <p:cNvPr id="23" name="본문 첫 번째 줄…"/>
+          <p:cNvSpPr txBox="1">
+            <a:spLocks noGrp="1"/>
+          </p:cNvSpPr>
           <p:nvPr>
-            <p:ph type="body" idx="1" hasCustomPrompt="1"/>
+            <p:ph type="body" idx="1"/>
           </p:nvPr>
         </p:nvSpPr>
         <p:spPr>
@@ -576,41 +581,42 @@
           <a:bodyPr/>
           <a:lstStyle/>
           <a:p>
-            <a:pPr/>
             <a:r>
-              <a:t>마스터 텍스트 스타일을 편집합니다</a:t>
+              <a:t>본문 첫 번째 줄</a:t>
             </a:r>
           </a:p>
           <a:p>
             <a:pPr lvl="1"/>
             <a:r>
-              <a:t/>
+              <a:t>본문 두 번째 줄</a:t>
             </a:r>
           </a:p>
           <a:p>
             <a:pPr lvl="2"/>
             <a:r>
-              <a:t/>
+              <a:t>본문 세 번째 줄</a:t>
             </a:r>
           </a:p>
           <a:p>
             <a:pPr lvl="3"/>
             <a:r>
-              <a:t/>
+              <a:t>본문 네 번째 줄</a:t>
             </a:r>
           </a:p>
           <a:p>
             <a:pPr lvl="4"/>
             <a:r>
-              <a:t/>
+              <a:t>본문 다섯 번째 줄</a:t>
             </a:r>
           </a:p>
         </p:txBody>
       </p:sp>
       <p:sp>
         <p:nvSpPr>
-          <p:cNvPr id="15" name="슬라이드 번호"/>
-          <p:cNvSpPr txBox="1"/>
+          <p:cNvPr id="24" name="슬라이드 번호"/>
+          <p:cNvSpPr txBox="1">
+            <a:spLocks noGrp="1"/>
+          </p:cNvSpPr>
           <p:nvPr>
             <p:ph type="sldNum" sz="quarter" idx="2"/>
           </p:nvPr>
@@ -629,7 +635,10 @@
                 <a:effectLst/>
               </a:defRPr>
             </a:pPr>
-            <a:fld id="{86CB4B4D-7CA3-9044-876B-883B54F8677D}" type="slidenum"/>
+            <a:fld id="{86CB4B4D-7CA3-9044-876B-883B54F8677D}" type="slidenum">
+              <a:t>‹#›</a:t>
+            </a:fld>
+            <a:endParaRPr/>
           </a:p>
         </p:txBody>
       </p:sp>
@@ -638,18 +647,19 @@
   <p:clrMapOvr>
     <a:masterClrMapping/>
   </p:clrMapOvr>
-  <p:transition xmlns:p14="http://schemas.microsoft.com/office/powerpoint/2010/main" spd="med" advClick="1"/>
+  <p:transition spd="med"/>
 </p:sldLayout>
 </file>
 
 <file path=ppt/slideMasters/slideMaster1.xml><?xml version="1.0" encoding="utf-8"?>
-<p:sldMaster xmlns:a="http://schemas.openxmlformats.org/drawingml/2006/main" xmlns:r="http://schemas.openxmlformats.org/officeDocument/2006/relationships" xmlns:p="http://schemas.openxmlformats.org/presentationml/2006/main" xmlns:m="http://schemas.openxmlformats.org/officeDocument/2006/math" xmlns:a14="http://schemas.microsoft.com/office/drawing/2010/main">
+<p:sldMaster xmlns:a="http://schemas.openxmlformats.org/drawingml/2006/main" xmlns:r="http://schemas.openxmlformats.org/officeDocument/2006/relationships" xmlns:p="http://schemas.openxmlformats.org/presentationml/2006/main">
   <p:cSld>
     <p:bg>
       <p:bgPr>
         <a:solidFill>
           <a:srgbClr val="000000"/>
         </a:solidFill>
+        <a:effectLst/>
       </p:bgPr>
     </p:bg>
     <p:spTree>
@@ -675,9 +685,7 @@
           <p:nvPr/>
         </p:nvPicPr>
         <p:blipFill>
-          <a:blip r:embed="rId2">
-            <a:extLst/>
-          </a:blip>
+          <a:blip r:embed="rId3"/>
           <a:stretch>
             <a:fillRect/>
           </a:stretch>
@@ -697,8 +705,45 @@
       </p:pic>
       <p:sp>
         <p:nvSpPr>
-          <p:cNvPr id="3" name="제목 텍스트"/>
-          <p:cNvSpPr txBox="1"/>
+          <p:cNvPr id="3" name="직선 연결선[R] 5"/>
+          <p:cNvSpPr/>
+          <p:nvPr/>
+        </p:nvSpPr>
+        <p:spPr>
+          <a:xfrm flipV="1">
+            <a:off x="399" y="1439999"/>
+            <a:ext cx="24378403" cy="88901"/>
+          </a:xfrm>
+          <a:prstGeom prst="line">
+            <a:avLst/>
+          </a:prstGeom>
+          <a:ln w="50800">
+            <a:solidFill>
+              <a:srgbClr val="FFFFFF"/>
+            </a:solidFill>
+          </a:ln>
+          <a:effectLst>
+            <a:outerShdw blurRad="76200" dist="38100" dir="5400000" rotWithShape="0">
+              <a:srgbClr val="000000">
+                <a:alpha val="38000"/>
+              </a:srgbClr>
+            </a:outerShdw>
+          </a:effectLst>
+        </p:spPr>
+        <p:txBody>
+          <a:bodyPr tIns="91439" bIns="91439"/>
+          <a:lstStyle/>
+          <a:p>
+            <a:endParaRPr/>
+          </a:p>
+        </p:txBody>
+      </p:sp>
+      <p:sp>
+        <p:nvSpPr>
+          <p:cNvPr id="4" name="제목 텍스트"/>
+          <p:cNvSpPr txBox="1">
+            <a:spLocks noGrp="1"/>
+          </p:cNvSpPr>
           <p:nvPr>
             <p:ph type="title"/>
           </p:nvPr>
@@ -716,17 +761,16 @@
           </a:ln>
           <a:extLst>
             <a:ext uri="{C572A759-6A51-4108-AA02-DFA0A04FC94B}">
-              <ma14:wrappingTextBoxFlag xmlns:ma14="http://schemas.microsoft.com/office/mac/drawingml/2011/main" val="1"/>
+              <ma14:wrappingTextBoxFlag xmlns:ma14="http://schemas.microsoft.com/office/mac/drawingml/2011/main" xmlns:a14="http://schemas.microsoft.com/office/drawing/2010/main" xmlns:m="http://schemas.openxmlformats.org/officeDocument/2006/math" xmlns="" val="1"/>
             </a:ext>
           </a:extLst>
         </p:spPr>
         <p:txBody>
           <a:bodyPr lIns="152400" tIns="152400" rIns="152400" bIns="152400" anchor="b">
-            <a:normAutofit fontScale="100000" lnSpcReduction="0"/>
+            <a:normAutofit/>
           </a:bodyPr>
           <a:lstStyle/>
           <a:p>
-            <a:pPr/>
             <a:r>
               <a:t>제목 텍스트</a:t>
             </a:r>
@@ -735,10 +779,12 @@
       </p:sp>
       <p:sp>
         <p:nvSpPr>
-          <p:cNvPr id="4" name="본문 첫 번째 줄…"/>
-          <p:cNvSpPr txBox="1"/>
+          <p:cNvPr id="5" name="본문 첫 번째 줄…"/>
+          <p:cNvSpPr txBox="1">
+            <a:spLocks noGrp="1"/>
+          </p:cNvSpPr>
           <p:nvPr>
-            <p:ph type="body" idx="1" hasCustomPrompt="1"/>
+            <p:ph type="body" idx="1"/>
           </p:nvPr>
         </p:nvSpPr>
         <p:spPr>
@@ -754,86 +800,52 @@
           </a:ln>
           <a:extLst>
             <a:ext uri="{C572A759-6A51-4108-AA02-DFA0A04FC94B}">
-              <ma14:wrappingTextBoxFlag xmlns:ma14="http://schemas.microsoft.com/office/mac/drawingml/2011/main" val="1"/>
+              <ma14:wrappingTextBoxFlag xmlns:ma14="http://schemas.microsoft.com/office/mac/drawingml/2011/main" xmlns:a14="http://schemas.microsoft.com/office/drawing/2010/main" xmlns:m="http://schemas.openxmlformats.org/officeDocument/2006/math" xmlns="" val="1"/>
             </a:ext>
           </a:extLst>
         </p:spPr>
         <p:txBody>
-          <a:bodyPr lIns="508000" tIns="508000" rIns="508000" bIns="508000">
-            <a:normAutofit fontScale="100000" lnSpcReduction="0"/>
+          <a:bodyPr lIns="152400" tIns="152400" rIns="152400" bIns="152400">
+            <a:normAutofit/>
           </a:bodyPr>
           <a:lstStyle/>
           <a:p>
-            <a:pPr/>
             <a:r>
-              <a:t>마스터 텍스트 스타일을 편집합니다</a:t>
+              <a:t>본문 첫 번째 줄</a:t>
             </a:r>
           </a:p>
           <a:p>
             <a:pPr lvl="1"/>
             <a:r>
-              <a:t/>
+              <a:t>본문 두 번째 줄</a:t>
             </a:r>
           </a:p>
           <a:p>
             <a:pPr lvl="2"/>
             <a:r>
-              <a:t/>
+              <a:t>본문 세 번째 줄</a:t>
             </a:r>
           </a:p>
           <a:p>
             <a:pPr lvl="3"/>
             <a:r>
-              <a:t/>
+              <a:t>본문 네 번째 줄</a:t>
             </a:r>
           </a:p>
           <a:p>
             <a:pPr lvl="4"/>
             <a:r>
-              <a:t/>
+              <a:t>본문 다섯 번째 줄</a:t>
             </a:r>
           </a:p>
         </p:txBody>
       </p:sp>
       <p:sp>
         <p:nvSpPr>
-          <p:cNvPr id="5" name="직선 연결선[R] 5"/>
-          <p:cNvSpPr/>
-          <p:nvPr/>
-        </p:nvSpPr>
-        <p:spPr>
-          <a:xfrm flipV="1">
-            <a:off x="399" y="1439999"/>
-            <a:ext cx="24378403" cy="88901"/>
-          </a:xfrm>
-          <a:prstGeom prst="line">
-            <a:avLst/>
-          </a:prstGeom>
-          <a:ln w="50800">
-            <a:solidFill>
-              <a:srgbClr val="FFFFFF"/>
-            </a:solidFill>
-          </a:ln>
-          <a:effectLst>
-            <a:outerShdw sx="100000" sy="100000" kx="0" ky="0" algn="b" rotWithShape="0" blurRad="76200" dist="38100" dir="5400000">
-              <a:srgbClr val="000000">
-                <a:alpha val="38000"/>
-              </a:srgbClr>
-            </a:outerShdw>
-          </a:effectLst>
-        </p:spPr>
-        <p:txBody>
-          <a:bodyPr tIns="91439" bIns="91439"/>
-          <a:lstStyle/>
-          <a:p>
-            <a:pPr/>
-          </a:p>
-        </p:txBody>
-      </p:sp>
-      <p:sp>
-        <p:nvSpPr>
           <p:cNvPr id="6" name="슬라이드 번호"/>
-          <p:cNvSpPr txBox="1"/>
+          <p:cNvSpPr txBox="1">
+            <a:spLocks noGrp="1"/>
+          </p:cNvSpPr>
           <p:nvPr>
             <p:ph type="sldNum" sz="quarter" idx="2"/>
           </p:nvPr>
@@ -862,7 +874,7 @@
               <a:spcBef>
                 <a:spcPts val="0"/>
               </a:spcBef>
-              <a:defRPr b="0" sz="2400"/>
+              <a:defRPr sz="2400" b="0"/>
             </a:lvl1pPr>
           </a:lstStyle>
           <a:p>
@@ -871,7 +883,10 @@
                 <a:effectLst/>
               </a:defRPr>
             </a:pPr>
-            <a:fld id="{86CB4B4D-7CA3-9044-876B-883B54F8677D}" type="slidenum"/>
+            <a:fld id="{86CB4B4D-7CA3-9044-876B-883B54F8677D}" type="slidenum">
+              <a:t>‹#›</a:t>
+            </a:fld>
+            <a:endParaRPr/>
           </a:p>
         </p:txBody>
       </p:sp>
@@ -879,9 +894,9 @@
   </p:cSld>
   <p:clrMap bg1="dk1" tx1="lt1" bg2="dk2" tx2="lt2" accent1="accent1" accent2="accent2" accent3="accent3" accent4="accent4" accent5="accent5" accent6="accent6" hlink="hlink" folHlink="folHlink"/>
   <p:sldLayoutIdLst>
-    <p:sldLayoutId id="2147483649" r:id="rId3"/>
+    <p:sldLayoutId id="2147483650" r:id="rId1"/>
   </p:sldLayoutIdLst>
-  <p:transition xmlns:p14="http://schemas.microsoft.com/office/powerpoint/2010/main" spd="med" advClick="1"/>
+  <p:transition spd="med"/>
   <p:txStyles>
     <p:titleStyle>
       <a:lvl1pPr marL="0" marR="0" indent="0" algn="r" defTabSz="1828800" rtl="0" latinLnBrk="0">
@@ -899,12 +914,12 @@
         <a:buFontTx/>
         <a:buNone/>
         <a:tabLst/>
-        <a:defRPr b="0" baseline="0" cap="none" i="0" spc="0" strike="noStrike" sz="6000" u="none">
+        <a:defRPr sz="6000" b="0" i="0" u="none" strike="noStrike" cap="none" spc="0" baseline="0">
           <a:solidFill>
             <a:srgbClr val="FFFFFF"/>
           </a:solidFill>
           <a:effectLst>
-            <a:outerShdw sx="100000" sy="100000" kx="0" ky="0" algn="b" rotWithShape="0" blurRad="38100" dist="38100" dir="2700000">
+            <a:outerShdw blurRad="38100" dist="38100" dir="2700000" rotWithShape="0">
               <a:srgbClr val="000000">
                 <a:alpha val="43137"/>
               </a:srgbClr>
@@ -932,12 +947,12 @@
         <a:buFontTx/>
         <a:buNone/>
         <a:tabLst/>
-        <a:defRPr b="0" baseline="0" cap="none" i="0" spc="0" strike="noStrike" sz="6000" u="none">
+        <a:defRPr sz="6000" b="0" i="0" u="none" strike="noStrike" cap="none" spc="0" baseline="0">
           <a:solidFill>
             <a:srgbClr val="FFFFFF"/>
           </a:solidFill>
           <a:effectLst>
-            <a:outerShdw sx="100000" sy="100000" kx="0" ky="0" algn="b" rotWithShape="0" blurRad="38100" dist="38100" dir="2700000">
+            <a:outerShdw blurRad="38100" dist="38100" dir="2700000" rotWithShape="0">
               <a:srgbClr val="000000">
                 <a:alpha val="43137"/>
               </a:srgbClr>
@@ -965,12 +980,12 @@
         <a:buFontTx/>
         <a:buNone/>
         <a:tabLst/>
-        <a:defRPr b="0" baseline="0" cap="none" i="0" spc="0" strike="noStrike" sz="6000" u="none">
+        <a:defRPr sz="6000" b="0" i="0" u="none" strike="noStrike" cap="none" spc="0" baseline="0">
           <a:solidFill>
             <a:srgbClr val="FFFFFF"/>
           </a:solidFill>
           <a:effectLst>
-            <a:outerShdw sx="100000" sy="100000" kx="0" ky="0" algn="b" rotWithShape="0" blurRad="38100" dist="38100" dir="2700000">
+            <a:outerShdw blurRad="38100" dist="38100" dir="2700000" rotWithShape="0">
               <a:srgbClr val="000000">
                 <a:alpha val="43137"/>
               </a:srgbClr>
@@ -998,12 +1013,12 @@
         <a:buFontTx/>
         <a:buNone/>
         <a:tabLst/>
-        <a:defRPr b="0" baseline="0" cap="none" i="0" spc="0" strike="noStrike" sz="6000" u="none">
+        <a:defRPr sz="6000" b="0" i="0" u="none" strike="noStrike" cap="none" spc="0" baseline="0">
           <a:solidFill>
             <a:srgbClr val="FFFFFF"/>
           </a:solidFill>
           <a:effectLst>
-            <a:outerShdw sx="100000" sy="100000" kx="0" ky="0" algn="b" rotWithShape="0" blurRad="38100" dist="38100" dir="2700000">
+            <a:outerShdw blurRad="38100" dist="38100" dir="2700000" rotWithShape="0">
               <a:srgbClr val="000000">
                 <a:alpha val="43137"/>
               </a:srgbClr>
@@ -1031,12 +1046,12 @@
         <a:buFontTx/>
         <a:buNone/>
         <a:tabLst/>
-        <a:defRPr b="0" baseline="0" cap="none" i="0" spc="0" strike="noStrike" sz="6000" u="none">
+        <a:defRPr sz="6000" b="0" i="0" u="none" strike="noStrike" cap="none" spc="0" baseline="0">
           <a:solidFill>
             <a:srgbClr val="FFFFFF"/>
           </a:solidFill>
           <a:effectLst>
-            <a:outerShdw sx="100000" sy="100000" kx="0" ky="0" algn="b" rotWithShape="0" blurRad="38100" dist="38100" dir="2700000">
+            <a:outerShdw blurRad="38100" dist="38100" dir="2700000" rotWithShape="0">
               <a:srgbClr val="000000">
                 <a:alpha val="43137"/>
               </a:srgbClr>
@@ -1064,12 +1079,12 @@
         <a:buFontTx/>
         <a:buNone/>
         <a:tabLst/>
-        <a:defRPr b="0" baseline="0" cap="none" i="0" spc="0" strike="noStrike" sz="6000" u="none">
+        <a:defRPr sz="6000" b="0" i="0" u="none" strike="noStrike" cap="none" spc="0" baseline="0">
           <a:solidFill>
             <a:srgbClr val="FFFFFF"/>
           </a:solidFill>
           <a:effectLst>
-            <a:outerShdw sx="100000" sy="100000" kx="0" ky="0" algn="b" rotWithShape="0" blurRad="38100" dist="38100" dir="2700000">
+            <a:outerShdw blurRad="38100" dist="38100" dir="2700000" rotWithShape="0">
               <a:srgbClr val="000000">
                 <a:alpha val="43137"/>
               </a:srgbClr>
@@ -1097,12 +1112,12 @@
         <a:buFontTx/>
         <a:buNone/>
         <a:tabLst/>
-        <a:defRPr b="0" baseline="0" cap="none" i="0" spc="0" strike="noStrike" sz="6000" u="none">
+        <a:defRPr sz="6000" b="0" i="0" u="none" strike="noStrike" cap="none" spc="0" baseline="0">
           <a:solidFill>
             <a:srgbClr val="FFFFFF"/>
           </a:solidFill>
           <a:effectLst>
-            <a:outerShdw sx="100000" sy="100000" kx="0" ky="0" algn="b" rotWithShape="0" blurRad="38100" dist="38100" dir="2700000">
+            <a:outerShdw blurRad="38100" dist="38100" dir="2700000" rotWithShape="0">
               <a:srgbClr val="000000">
                 <a:alpha val="43137"/>
               </a:srgbClr>
@@ -1130,12 +1145,12 @@
         <a:buFontTx/>
         <a:buNone/>
         <a:tabLst/>
-        <a:defRPr b="0" baseline="0" cap="none" i="0" spc="0" strike="noStrike" sz="6000" u="none">
+        <a:defRPr sz="6000" b="0" i="0" u="none" strike="noStrike" cap="none" spc="0" baseline="0">
           <a:solidFill>
             <a:srgbClr val="FFFFFF"/>
           </a:solidFill>
           <a:effectLst>
-            <a:outerShdw sx="100000" sy="100000" kx="0" ky="0" algn="b" rotWithShape="0" blurRad="38100" dist="38100" dir="2700000">
+            <a:outerShdw blurRad="38100" dist="38100" dir="2700000" rotWithShape="0">
               <a:srgbClr val="000000">
                 <a:alpha val="43137"/>
               </a:srgbClr>
@@ -1163,12 +1178,12 @@
         <a:buFontTx/>
         <a:buNone/>
         <a:tabLst/>
-        <a:defRPr b="0" baseline="0" cap="none" i="0" spc="0" strike="noStrike" sz="6000" u="none">
+        <a:defRPr sz="6000" b="0" i="0" u="none" strike="noStrike" cap="none" spc="0" baseline="0">
           <a:solidFill>
             <a:srgbClr val="FFFFFF"/>
           </a:solidFill>
           <a:effectLst>
-            <a:outerShdw sx="100000" sy="100000" kx="0" ky="0" algn="b" rotWithShape="0" blurRad="38100" dist="38100" dir="2700000">
+            <a:outerShdw blurRad="38100" dist="38100" dir="2700000" rotWithShape="0">
               <a:srgbClr val="000000">
                 <a:alpha val="43137"/>
               </a:srgbClr>
@@ -1198,12 +1213,12 @@
         <a:buFontTx/>
         <a:buNone/>
         <a:tabLst/>
-        <a:defRPr b="1" baseline="0" cap="none" i="0" spc="0" strike="noStrike" sz="8000" u="none">
+        <a:defRPr sz="8000" b="1" i="0" u="none" strike="noStrike" cap="none" spc="0" baseline="0">
           <a:solidFill>
             <a:srgbClr val="FFFFFF"/>
           </a:solidFill>
           <a:effectLst>
-            <a:outerShdw sx="100000" sy="100000" kx="0" ky="0" algn="b" rotWithShape="0" blurRad="38100" dist="38100" dir="2700000">
+            <a:outerShdw blurRad="38100" dist="38100" dir="2700000" rotWithShape="0">
               <a:srgbClr val="000000">
                 <a:alpha val="43137"/>
               </a:srgbClr>
@@ -1231,12 +1246,12 @@
         <a:buFontTx/>
         <a:buNone/>
         <a:tabLst/>
-        <a:defRPr b="1" baseline="0" cap="none" i="0" spc="0" strike="noStrike" sz="8000" u="none">
+        <a:defRPr sz="8000" b="1" i="0" u="none" strike="noStrike" cap="none" spc="0" baseline="0">
           <a:solidFill>
             <a:srgbClr val="FFFFFF"/>
           </a:solidFill>
           <a:effectLst>
-            <a:outerShdw sx="100000" sy="100000" kx="0" ky="0" algn="b" rotWithShape="0" blurRad="38100" dist="38100" dir="2700000">
+            <a:outerShdw blurRad="38100" dist="38100" dir="2700000" rotWithShape="0">
               <a:srgbClr val="000000">
                 <a:alpha val="43137"/>
               </a:srgbClr>
@@ -1264,12 +1279,12 @@
         <a:buFontTx/>
         <a:buNone/>
         <a:tabLst/>
-        <a:defRPr b="1" baseline="0" cap="none" i="0" spc="0" strike="noStrike" sz="8000" u="none">
+        <a:defRPr sz="8000" b="1" i="0" u="none" strike="noStrike" cap="none" spc="0" baseline="0">
           <a:solidFill>
             <a:srgbClr val="FFFFFF"/>
           </a:solidFill>
           <a:effectLst>
-            <a:outerShdw sx="100000" sy="100000" kx="0" ky="0" algn="b" rotWithShape="0" blurRad="38100" dist="38100" dir="2700000">
+            <a:outerShdw blurRad="38100" dist="38100" dir="2700000" rotWithShape="0">
               <a:srgbClr val="000000">
                 <a:alpha val="43137"/>
               </a:srgbClr>
@@ -1297,12 +1312,12 @@
         <a:buFontTx/>
         <a:buNone/>
         <a:tabLst/>
-        <a:defRPr b="1" baseline="0" cap="none" i="0" spc="0" strike="noStrike" sz="8000" u="none">
+        <a:defRPr sz="8000" b="1" i="0" u="none" strike="noStrike" cap="none" spc="0" baseline="0">
           <a:solidFill>
             <a:srgbClr val="FFFFFF"/>
           </a:solidFill>
           <a:effectLst>
-            <a:outerShdw sx="100000" sy="100000" kx="0" ky="0" algn="b" rotWithShape="0" blurRad="38100" dist="38100" dir="2700000">
+            <a:outerShdw blurRad="38100" dist="38100" dir="2700000" rotWithShape="0">
               <a:srgbClr val="000000">
                 <a:alpha val="43137"/>
               </a:srgbClr>
@@ -1330,12 +1345,12 @@
         <a:buFontTx/>
         <a:buNone/>
         <a:tabLst/>
-        <a:defRPr b="1" baseline="0" cap="none" i="0" spc="0" strike="noStrike" sz="8000" u="none">
+        <a:defRPr sz="8000" b="1" i="0" u="none" strike="noStrike" cap="none" spc="0" baseline="0">
           <a:solidFill>
             <a:srgbClr val="FFFFFF"/>
           </a:solidFill>
           <a:effectLst>
-            <a:outerShdw sx="100000" sy="100000" kx="0" ky="0" algn="b" rotWithShape="0" blurRad="38100" dist="38100" dir="2700000">
+            <a:outerShdw blurRad="38100" dist="38100" dir="2700000" rotWithShape="0">
               <a:srgbClr val="000000">
                 <a:alpha val="43137"/>
               </a:srgbClr>
@@ -1363,12 +1378,12 @@
         <a:buFontTx/>
         <a:buNone/>
         <a:tabLst/>
-        <a:defRPr b="1" baseline="0" cap="none" i="0" spc="0" strike="noStrike" sz="8000" u="none">
+        <a:defRPr sz="8000" b="1" i="0" u="none" strike="noStrike" cap="none" spc="0" baseline="0">
           <a:solidFill>
             <a:srgbClr val="FFFFFF"/>
           </a:solidFill>
           <a:effectLst>
-            <a:outerShdw sx="100000" sy="100000" kx="0" ky="0" algn="b" rotWithShape="0" blurRad="38100" dist="38100" dir="2700000">
+            <a:outerShdw blurRad="38100" dist="38100" dir="2700000" rotWithShape="0">
               <a:srgbClr val="000000">
                 <a:alpha val="43137"/>
               </a:srgbClr>
@@ -1396,12 +1411,12 @@
         <a:buFontTx/>
         <a:buNone/>
         <a:tabLst/>
-        <a:defRPr b="1" baseline="0" cap="none" i="0" spc="0" strike="noStrike" sz="8000" u="none">
+        <a:defRPr sz="8000" b="1" i="0" u="none" strike="noStrike" cap="none" spc="0" baseline="0">
           <a:solidFill>
             <a:srgbClr val="FFFFFF"/>
           </a:solidFill>
           <a:effectLst>
-            <a:outerShdw sx="100000" sy="100000" kx="0" ky="0" algn="b" rotWithShape="0" blurRad="38100" dist="38100" dir="2700000">
+            <a:outerShdw blurRad="38100" dist="38100" dir="2700000" rotWithShape="0">
               <a:srgbClr val="000000">
                 <a:alpha val="43137"/>
               </a:srgbClr>
@@ -1429,12 +1444,12 @@
         <a:buFontTx/>
         <a:buNone/>
         <a:tabLst/>
-        <a:defRPr b="1" baseline="0" cap="none" i="0" spc="0" strike="noStrike" sz="8000" u="none">
+        <a:defRPr sz="8000" b="1" i="0" u="none" strike="noStrike" cap="none" spc="0" baseline="0">
           <a:solidFill>
             <a:srgbClr val="FFFFFF"/>
           </a:solidFill>
           <a:effectLst>
-            <a:outerShdw sx="100000" sy="100000" kx="0" ky="0" algn="b" rotWithShape="0" blurRad="38100" dist="38100" dir="2700000">
+            <a:outerShdw blurRad="38100" dist="38100" dir="2700000" rotWithShape="0">
               <a:srgbClr val="000000">
                 <a:alpha val="43137"/>
               </a:srgbClr>
@@ -1462,12 +1477,12 @@
         <a:buFontTx/>
         <a:buNone/>
         <a:tabLst/>
-        <a:defRPr b="1" baseline="0" cap="none" i="0" spc="0" strike="noStrike" sz="8000" u="none">
+        <a:defRPr sz="8000" b="1" i="0" u="none" strike="noStrike" cap="none" spc="0" baseline="0">
           <a:solidFill>
             <a:srgbClr val="FFFFFF"/>
           </a:solidFill>
           <a:effectLst>
-            <a:outerShdw sx="100000" sy="100000" kx="0" ky="0" algn="b" rotWithShape="0" blurRad="38100" dist="38100" dir="2700000">
+            <a:outerShdw blurRad="38100" dist="38100" dir="2700000" rotWithShape="0">
               <a:srgbClr val="000000">
                 <a:alpha val="43137"/>
               </a:srgbClr>
@@ -1497,7 +1512,7 @@
         <a:buFontTx/>
         <a:buNone/>
         <a:tabLst/>
-        <a:defRPr b="0" baseline="0" cap="none" i="0" spc="0" strike="noStrike" sz="2400" u="none">
+        <a:defRPr sz="2400" b="0" i="0" u="none" strike="noStrike" cap="none" spc="0" baseline="0">
           <a:solidFill>
             <a:schemeClr val="tx1"/>
           </a:solidFill>
@@ -1523,7 +1538,7 @@
         <a:buFontTx/>
         <a:buNone/>
         <a:tabLst/>
-        <a:defRPr b="0" baseline="0" cap="none" i="0" spc="0" strike="noStrike" sz="2400" u="none">
+        <a:defRPr sz="2400" b="0" i="0" u="none" strike="noStrike" cap="none" spc="0" baseline="0">
           <a:solidFill>
             <a:schemeClr val="tx1"/>
           </a:solidFill>
@@ -1549,7 +1564,7 @@
         <a:buFontTx/>
         <a:buNone/>
         <a:tabLst/>
-        <a:defRPr b="0" baseline="0" cap="none" i="0" spc="0" strike="noStrike" sz="2400" u="none">
+        <a:defRPr sz="2400" b="0" i="0" u="none" strike="noStrike" cap="none" spc="0" baseline="0">
           <a:solidFill>
             <a:schemeClr val="tx1"/>
           </a:solidFill>
@@ -1575,7 +1590,7 @@
         <a:buFontTx/>
         <a:buNone/>
         <a:tabLst/>
-        <a:defRPr b="0" baseline="0" cap="none" i="0" spc="0" strike="noStrike" sz="2400" u="none">
+        <a:defRPr sz="2400" b="0" i="0" u="none" strike="noStrike" cap="none" spc="0" baseline="0">
           <a:solidFill>
             <a:schemeClr val="tx1"/>
           </a:solidFill>
@@ -1601,7 +1616,7 @@
         <a:buFontTx/>
         <a:buNone/>
         <a:tabLst/>
-        <a:defRPr b="0" baseline="0" cap="none" i="0" spc="0" strike="noStrike" sz="2400" u="none">
+        <a:defRPr sz="2400" b="0" i="0" u="none" strike="noStrike" cap="none" spc="0" baseline="0">
           <a:solidFill>
             <a:schemeClr val="tx1"/>
           </a:solidFill>
@@ -1627,7 +1642,7 @@
         <a:buFontTx/>
         <a:buNone/>
         <a:tabLst/>
-        <a:defRPr b="0" baseline="0" cap="none" i="0" spc="0" strike="noStrike" sz="2400" u="none">
+        <a:defRPr sz="2400" b="0" i="0" u="none" strike="noStrike" cap="none" spc="0" baseline="0">
           <a:solidFill>
             <a:schemeClr val="tx1"/>
           </a:solidFill>
@@ -1653,7 +1668,7 @@
         <a:buFontTx/>
         <a:buNone/>
         <a:tabLst/>
-        <a:defRPr b="0" baseline="0" cap="none" i="0" spc="0" strike="noStrike" sz="2400" u="none">
+        <a:defRPr sz="2400" b="0" i="0" u="none" strike="noStrike" cap="none" spc="0" baseline="0">
           <a:solidFill>
             <a:schemeClr val="tx1"/>
           </a:solidFill>
@@ -1679,7 +1694,7 @@
         <a:buFontTx/>
         <a:buNone/>
         <a:tabLst/>
-        <a:defRPr b="0" baseline="0" cap="none" i="0" spc="0" strike="noStrike" sz="2400" u="none">
+        <a:defRPr sz="2400" b="0" i="0" u="none" strike="noStrike" cap="none" spc="0" baseline="0">
           <a:solidFill>
             <a:schemeClr val="tx1"/>
           </a:solidFill>
@@ -1705,7 +1720,7 @@
         <a:buFontTx/>
         <a:buNone/>
         <a:tabLst/>
-        <a:defRPr b="0" baseline="0" cap="none" i="0" spc="0" strike="noStrike" sz="2400" u="none">
+        <a:defRPr sz="2400" b="0" i="0" u="none" strike="noStrike" cap="none" spc="0" baseline="0">
           <a:solidFill>
             <a:schemeClr val="tx1"/>
           </a:solidFill>
@@ -1721,76 +1736,8 @@
 </p:sldMaster>
 </file>
 
-<file path=ppt/slides/slide1.xml><?xml version="1.0" encoding="utf-8"?>
-<p:sld xmlns:a="http://schemas.openxmlformats.org/drawingml/2006/main" xmlns:r="http://schemas.openxmlformats.org/officeDocument/2006/relationships" xmlns:p="http://schemas.openxmlformats.org/presentationml/2006/main" xmlns:m="http://schemas.openxmlformats.org/officeDocument/2006/math" xmlns:a14="http://schemas.microsoft.com/office/drawing/2010/main" showMasterSp="1" showMasterPhAnim="1">
-  <p:cSld>
-    <p:spTree>
-      <p:nvGrpSpPr>
-        <p:cNvPr id="1" name=""/>
-        <p:cNvGrpSpPr/>
-        <p:nvPr/>
-      </p:nvGrpSpPr>
-      <p:grpSpPr>
-        <a:xfrm>
-          <a:off x="0" y="0"/>
-          <a:ext cx="0" cy="0"/>
-          <a:chOff x="0" y="0"/>
-          <a:chExt cx="0" cy="0"/>
-        </a:xfrm>
-      </p:grpSpPr>
-      <p:sp>
-        <p:nvSpPr>
-          <p:cNvPr id="24" name="편집하려면 이중 클릭"/>
-          <p:cNvSpPr txBox="1"/>
-          <p:nvPr>
-            <p:ph type="ctrTitle"/>
-          </p:nvPr>
-        </p:nvSpPr>
-        <p:spPr>
-          <a:prstGeom prst="rect">
-            <a:avLst/>
-          </a:prstGeom>
-        </p:spPr>
-        <p:txBody>
-          <a:bodyPr/>
-          <a:lstStyle/>
-          <a:p>
-            <a:pPr/>
-          </a:p>
-        </p:txBody>
-      </p:sp>
-      <p:sp>
-        <p:nvSpPr>
-          <p:cNvPr id="25" name="마스터 텍스트 스타일을 편집합니다"/>
-          <p:cNvSpPr txBox="1"/>
-          <p:nvPr>
-            <p:ph type="subTitle" idx="1"/>
-          </p:nvPr>
-        </p:nvSpPr>
-        <p:spPr>
-          <a:prstGeom prst="rect">
-            <a:avLst/>
-          </a:prstGeom>
-        </p:spPr>
-        <p:txBody>
-          <a:bodyPr/>
-          <a:lstStyle/>
-          <a:p>
-            <a:pPr/>
-          </a:p>
-        </p:txBody>
-      </p:sp>
-    </p:spTree>
-  </p:cSld>
-  <p:clrMapOvr>
-    <a:masterClrMapping/>
-  </p:clrMapOvr>
-  <p:transition xmlns:p14="http://schemas.microsoft.com/office/powerpoint/2010/main" spd="med" advClick="1"/>
-</p:sld>
-</file>
-
 <file path=ppt/theme/theme1.xml><?xml version="1.0" encoding="utf-8"?>
-<a:theme xmlns:a="http://schemas.openxmlformats.org/drawingml/2006/main" xmlns:r="http://schemas.openxmlformats.org/officeDocument/2006/relationships" name="1_Office 테마">
+<a:theme xmlns:a="http://schemas.openxmlformats.org/drawingml/2006/main" name="1_Office 테마">
   <a:themeElements>
     <a:clrScheme name="1_Office 테마">
       <a:dk1>
@@ -1916,7 +1863,7 @@
       <a:effectStyleLst>
         <a:effectStyle>
           <a:effectLst>
-            <a:outerShdw sx="100000" sy="100000" kx="0" ky="0" algn="b" rotWithShape="0" blurRad="76200" dist="38100" dir="5400000">
+            <a:outerShdw blurRad="76200" dist="38100" dir="5400000" rotWithShape="0">
               <a:srgbClr val="000000">
                 <a:alpha val="35000"/>
               </a:srgbClr>
@@ -1925,7 +1872,7 @@
         </a:effectStyle>
         <a:effectStyle>
           <a:effectLst>
-            <a:outerShdw sx="100000" sy="100000" kx="0" ky="0" algn="b" rotWithShape="0" blurRad="76200" dist="38100" dir="5400000">
+            <a:outerShdw blurRad="76200" dist="38100" dir="5400000" rotWithShape="0">
               <a:srgbClr val="000000">
                 <a:alpha val="35000"/>
               </a:srgbClr>
@@ -1934,7 +1881,7 @@
         </a:effectStyle>
         <a:effectStyle>
           <a:effectLst>
-            <a:outerShdw sx="100000" sy="100000" kx="0" ky="0" algn="b" rotWithShape="0" blurRad="76200" dist="38100" dir="5400000">
+            <a:outerShdw blurRad="76200" dist="38100" dir="5400000" rotWithShape="0">
               <a:srgbClr val="000000">
                 <a:alpha val="38000"/>
               </a:srgbClr>
@@ -2008,7 +1955,7 @@
           <a:round/>
         </a:ln>
         <a:effectLst>
-          <a:outerShdw sx="100000" sy="100000" kx="0" ky="0" algn="b" rotWithShape="0" blurRad="76200" dist="38100" dir="5400000">
+          <a:outerShdw blurRad="76200" dist="38100" dir="5400000" rotWithShape="0">
             <a:srgbClr val="000000">
               <a:alpha val="35000"/>
             </a:srgbClr>
@@ -2016,7 +1963,7 @@
         </a:effectLst>
         <a:sp3d/>
       </a:spPr>
-      <a:bodyPr rot="0" spcFirstLastPara="1" vertOverflow="overflow" horzOverflow="overflow" vert="horz" wrap="square" lIns="91439" tIns="91439" rIns="91439" bIns="91439" numCol="1" spcCol="38100" rtlCol="0" anchor="ctr" upright="0">
+      <a:bodyPr rot="0" spcFirstLastPara="1" vertOverflow="overflow" horzOverflow="overflow" vert="horz" wrap="square" lIns="91439" tIns="91439" rIns="91439" bIns="91439" numCol="1" spcCol="38100" rtlCol="0" anchor="ctr">
         <a:spAutoFit/>
       </a:bodyPr>
       <a:lstStyle>
@@ -2035,7 +1982,7 @@
           <a:buFontTx/>
           <a:buNone/>
           <a:tabLst/>
-          <a:defRPr b="1" baseline="0" cap="none" i="0" spc="0" strike="noStrike" sz="8000" u="none" kumimoji="0" normalizeH="0">
+          <a:defRPr kumimoji="0" sz="8000" b="1" i="0" u="none" strike="noStrike" cap="none" spc="0" normalizeH="0" baseline="0">
             <a:ln>
               <a:noFill/>
             </a:ln>
@@ -2043,7 +1990,7 @@
               <a:srgbClr val="FFFFFF"/>
             </a:solidFill>
             <a:effectLst>
-              <a:outerShdw sx="100000" sy="100000" kx="0" ky="0" algn="b" rotWithShape="0" blurRad="38100" dist="38100" dir="2700000">
+              <a:outerShdw blurRad="38100" dist="38100" dir="2700000" rotWithShape="0">
                 <a:srgbClr val="000000">
                   <a:alpha val="43137"/>
                 </a:srgbClr>
@@ -2071,7 +2018,7 @@
           <a:buFontTx/>
           <a:buNone/>
           <a:tabLst/>
-          <a:defRPr b="0" baseline="0" cap="none" i="0" spc="0" strike="noStrike" sz="1800" u="none" kumimoji="0" normalizeH="0">
+          <a:defRPr kumimoji="0" sz="1800" b="0" i="0" u="none" strike="noStrike" cap="none" spc="0" normalizeH="0" baseline="0">
             <a:ln>
               <a:noFill/>
             </a:ln>
@@ -2097,7 +2044,7 @@
           <a:buFontTx/>
           <a:buNone/>
           <a:tabLst/>
-          <a:defRPr b="0" baseline="0" cap="none" i="0" spc="0" strike="noStrike" sz="1800" u="none" kumimoji="0" normalizeH="0">
+          <a:defRPr kumimoji="0" sz="1800" b="0" i="0" u="none" strike="noStrike" cap="none" spc="0" normalizeH="0" baseline="0">
             <a:ln>
               <a:noFill/>
             </a:ln>
@@ -2123,7 +2070,7 @@
           <a:buFontTx/>
           <a:buNone/>
           <a:tabLst/>
-          <a:defRPr b="0" baseline="0" cap="none" i="0" spc="0" strike="noStrike" sz="1800" u="none" kumimoji="0" normalizeH="0">
+          <a:defRPr kumimoji="0" sz="1800" b="0" i="0" u="none" strike="noStrike" cap="none" spc="0" normalizeH="0" baseline="0">
             <a:ln>
               <a:noFill/>
             </a:ln>
@@ -2149,7 +2096,7 @@
           <a:buFontTx/>
           <a:buNone/>
           <a:tabLst/>
-          <a:defRPr b="0" baseline="0" cap="none" i="0" spc="0" strike="noStrike" sz="1800" u="none" kumimoji="0" normalizeH="0">
+          <a:defRPr kumimoji="0" sz="1800" b="0" i="0" u="none" strike="noStrike" cap="none" spc="0" normalizeH="0" baseline="0">
             <a:ln>
               <a:noFill/>
             </a:ln>
@@ -2175,7 +2122,7 @@
           <a:buFontTx/>
           <a:buNone/>
           <a:tabLst/>
-          <a:defRPr b="0" baseline="0" cap="none" i="0" spc="0" strike="noStrike" sz="1800" u="none" kumimoji="0" normalizeH="0">
+          <a:defRPr kumimoji="0" sz="1800" b="0" i="0" u="none" strike="noStrike" cap="none" spc="0" normalizeH="0" baseline="0">
             <a:ln>
               <a:noFill/>
             </a:ln>
@@ -2201,7 +2148,7 @@
           <a:buFontTx/>
           <a:buNone/>
           <a:tabLst/>
-          <a:defRPr b="0" baseline="0" cap="none" i="0" spc="0" strike="noStrike" sz="1800" u="none" kumimoji="0" normalizeH="0">
+          <a:defRPr kumimoji="0" sz="1800" b="0" i="0" u="none" strike="noStrike" cap="none" spc="0" normalizeH="0" baseline="0">
             <a:ln>
               <a:noFill/>
             </a:ln>
@@ -2227,7 +2174,7 @@
           <a:buFontTx/>
           <a:buNone/>
           <a:tabLst/>
-          <a:defRPr b="0" baseline="0" cap="none" i="0" spc="0" strike="noStrike" sz="1800" u="none" kumimoji="0" normalizeH="0">
+          <a:defRPr kumimoji="0" sz="1800" b="0" i="0" u="none" strike="noStrike" cap="none" spc="0" normalizeH="0" baseline="0">
             <a:ln>
               <a:noFill/>
             </a:ln>
@@ -2253,7 +2200,7 @@
           <a:buFontTx/>
           <a:buNone/>
           <a:tabLst/>
-          <a:defRPr b="0" baseline="0" cap="none" i="0" spc="0" strike="noStrike" sz="1800" u="none" kumimoji="0" normalizeH="0">
+          <a:defRPr kumimoji="0" sz="1800" b="0" i="0" u="none" strike="noStrike" cap="none" spc="0" normalizeH="0" baseline="0">
             <a:ln>
               <a:noFill/>
             </a:ln>
@@ -2279,7 +2226,7 @@
           <a:buFontTx/>
           <a:buNone/>
           <a:tabLst/>
-          <a:defRPr b="0" baseline="0" cap="none" i="0" spc="0" strike="noStrike" sz="1800" u="none" kumimoji="0" normalizeH="0">
+          <a:defRPr kumimoji="0" sz="1800" b="0" i="0" u="none" strike="noStrike" cap="none" spc="0" normalizeH="0" baseline="0">
             <a:ln>
               <a:noFill/>
             </a:ln>
@@ -2292,9 +2239,15 @@
         </a:lvl9pPr>
       </a:lstStyle>
       <a:style>
-        <a:lnRef idx="0"/>
-        <a:fillRef idx="0"/>
-        <a:effectRef idx="0"/>
+        <a:lnRef idx="0">
+          <a:scrgbClr r="0" g="0" b="0"/>
+        </a:lnRef>
+        <a:fillRef idx="0">
+          <a:scrgbClr r="0" g="0" b="0"/>
+        </a:fillRef>
+        <a:effectRef idx="0">
+          <a:scrgbClr r="0" g="0" b="0"/>
+        </a:effectRef>
         <a:fontRef idx="none"/>
       </a:style>
     </a:spDef>
@@ -2309,7 +2262,7 @@
           <a:round/>
         </a:ln>
         <a:effectLst>
-          <a:outerShdw sx="100000" sy="100000" kx="0" ky="0" algn="b" rotWithShape="0" blurRad="76200" dist="38100" dir="5400000">
+          <a:outerShdw blurRad="76200" dist="38100" dir="5400000" rotWithShape="0">
             <a:srgbClr val="000000">
               <a:alpha val="38000"/>
             </a:srgbClr>
@@ -2317,7 +2270,7 @@
         </a:effectLst>
         <a:sp3d/>
       </a:spPr>
-      <a:bodyPr rot="0" spcFirstLastPara="1" vertOverflow="overflow" horzOverflow="overflow" vert="horz" wrap="square" lIns="91439" tIns="45719" rIns="91439" bIns="45719" numCol="1" spcCol="38100" rtlCol="0" anchor="t" upright="0">
+      <a:bodyPr rot="0" spcFirstLastPara="1" vertOverflow="overflow" horzOverflow="overflow" vert="horz" wrap="square" lIns="91439" tIns="45719" rIns="91439" bIns="45719" numCol="1" spcCol="38100" rtlCol="0" anchor="t">
         <a:noAutofit/>
       </a:bodyPr>
       <a:lstStyle>
@@ -2336,7 +2289,7 @@
           <a:buFontTx/>
           <a:buNone/>
           <a:tabLst/>
-          <a:defRPr b="0" baseline="0" cap="none" i="0" spc="0" strike="noStrike" sz="1800" u="none" kumimoji="0" normalizeH="0">
+          <a:defRPr kumimoji="0" sz="1800" b="0" i="0" u="none" strike="noStrike" cap="none" spc="0" normalizeH="0" baseline="0">
             <a:ln>
               <a:noFill/>
             </a:ln>
@@ -2362,7 +2315,7 @@
           <a:buFontTx/>
           <a:buNone/>
           <a:tabLst/>
-          <a:defRPr b="0" baseline="0" cap="none" i="0" spc="0" strike="noStrike" sz="1800" u="none" kumimoji="0" normalizeH="0">
+          <a:defRPr kumimoji="0" sz="1800" b="0" i="0" u="none" strike="noStrike" cap="none" spc="0" normalizeH="0" baseline="0">
             <a:ln>
               <a:noFill/>
             </a:ln>
@@ -2388,7 +2341,7 @@
           <a:buFontTx/>
           <a:buNone/>
           <a:tabLst/>
-          <a:defRPr b="0" baseline="0" cap="none" i="0" spc="0" strike="noStrike" sz="1800" u="none" kumimoji="0" normalizeH="0">
+          <a:defRPr kumimoji="0" sz="1800" b="0" i="0" u="none" strike="noStrike" cap="none" spc="0" normalizeH="0" baseline="0">
             <a:ln>
               <a:noFill/>
             </a:ln>
@@ -2414,7 +2367,7 @@
           <a:buFontTx/>
           <a:buNone/>
           <a:tabLst/>
-          <a:defRPr b="0" baseline="0" cap="none" i="0" spc="0" strike="noStrike" sz="1800" u="none" kumimoji="0" normalizeH="0">
+          <a:defRPr kumimoji="0" sz="1800" b="0" i="0" u="none" strike="noStrike" cap="none" spc="0" normalizeH="0" baseline="0">
             <a:ln>
               <a:noFill/>
             </a:ln>
@@ -2440,7 +2393,7 @@
           <a:buFontTx/>
           <a:buNone/>
           <a:tabLst/>
-          <a:defRPr b="0" baseline="0" cap="none" i="0" spc="0" strike="noStrike" sz="1800" u="none" kumimoji="0" normalizeH="0">
+          <a:defRPr kumimoji="0" sz="1800" b="0" i="0" u="none" strike="noStrike" cap="none" spc="0" normalizeH="0" baseline="0">
             <a:ln>
               <a:noFill/>
             </a:ln>
@@ -2466,7 +2419,7 @@
           <a:buFontTx/>
           <a:buNone/>
           <a:tabLst/>
-          <a:defRPr b="0" baseline="0" cap="none" i="0" spc="0" strike="noStrike" sz="1800" u="none" kumimoji="0" normalizeH="0">
+          <a:defRPr kumimoji="0" sz="1800" b="0" i="0" u="none" strike="noStrike" cap="none" spc="0" normalizeH="0" baseline="0">
             <a:ln>
               <a:noFill/>
             </a:ln>
@@ -2492,7 +2445,7 @@
           <a:buFontTx/>
           <a:buNone/>
           <a:tabLst/>
-          <a:defRPr b="0" baseline="0" cap="none" i="0" spc="0" strike="noStrike" sz="1800" u="none" kumimoji="0" normalizeH="0">
+          <a:defRPr kumimoji="0" sz="1800" b="0" i="0" u="none" strike="noStrike" cap="none" spc="0" normalizeH="0" baseline="0">
             <a:ln>
               <a:noFill/>
             </a:ln>
@@ -2518,7 +2471,7 @@
           <a:buFontTx/>
           <a:buNone/>
           <a:tabLst/>
-          <a:defRPr b="0" baseline="0" cap="none" i="0" spc="0" strike="noStrike" sz="1800" u="none" kumimoji="0" normalizeH="0">
+          <a:defRPr kumimoji="0" sz="1800" b="0" i="0" u="none" strike="noStrike" cap="none" spc="0" normalizeH="0" baseline="0">
             <a:ln>
               <a:noFill/>
             </a:ln>
@@ -2544,7 +2497,7 @@
           <a:buFontTx/>
           <a:buNone/>
           <a:tabLst/>
-          <a:defRPr b="0" baseline="0" cap="none" i="0" spc="0" strike="noStrike" sz="1800" u="none" kumimoji="0" normalizeH="0">
+          <a:defRPr kumimoji="0" sz="1800" b="0" i="0" u="none" strike="noStrike" cap="none" spc="0" normalizeH="0" baseline="0">
             <a:ln>
               <a:noFill/>
             </a:ln>
@@ -2570,7 +2523,7 @@
           <a:buFontTx/>
           <a:buNone/>
           <a:tabLst/>
-          <a:defRPr b="0" baseline="0" cap="none" i="0" spc="0" strike="noStrike" sz="1800" u="none" kumimoji="0" normalizeH="0">
+          <a:defRPr kumimoji="0" sz="1800" b="0" i="0" u="none" strike="noStrike" cap="none" spc="0" normalizeH="0" baseline="0">
             <a:ln>
               <a:noFill/>
             </a:ln>
@@ -2583,9 +2536,15 @@
         </a:lvl9pPr>
       </a:lstStyle>
       <a:style>
-        <a:lnRef idx="0"/>
-        <a:fillRef idx="0"/>
-        <a:effectRef idx="0"/>
+        <a:lnRef idx="0">
+          <a:scrgbClr r="0" g="0" b="0"/>
+        </a:lnRef>
+        <a:fillRef idx="0">
+          <a:scrgbClr r="0" g="0" b="0"/>
+        </a:fillRef>
+        <a:effectRef idx="0">
+          <a:scrgbClr r="0" g="0" b="0"/>
+        </a:effectRef>
         <a:fontRef idx="none"/>
       </a:style>
     </a:lnDef>
@@ -2599,7 +2558,7 @@
         <a:effectLst/>
         <a:sp3d/>
       </a:spPr>
-      <a:bodyPr rot="0" spcFirstLastPara="1" vertOverflow="overflow" horzOverflow="overflow" vert="horz" wrap="square" lIns="91439" tIns="91439" rIns="91439" bIns="91439" numCol="1" spcCol="38100" rtlCol="0" anchor="t" upright="0">
+      <a:bodyPr rot="0" spcFirstLastPara="1" vertOverflow="overflow" horzOverflow="overflow" vert="horz" wrap="square" lIns="91439" tIns="91439" rIns="91439" bIns="91439" numCol="1" spcCol="38100" rtlCol="0" anchor="t">
         <a:spAutoFit/>
       </a:bodyPr>
       <a:lstStyle>
@@ -2618,7 +2577,7 @@
           <a:buFontTx/>
           <a:buNone/>
           <a:tabLst/>
-          <a:defRPr b="1" baseline="0" cap="none" i="0" spc="0" strike="noStrike" sz="8000" u="none" kumimoji="0" normalizeH="0">
+          <a:defRPr kumimoji="0" sz="8000" b="1" i="0" u="none" strike="noStrike" cap="none" spc="0" normalizeH="0" baseline="0">
             <a:ln>
               <a:noFill/>
             </a:ln>
@@ -2626,7 +2585,7 @@
               <a:srgbClr val="FFFFFF"/>
             </a:solidFill>
             <a:effectLst>
-              <a:outerShdw sx="100000" sy="100000" kx="0" ky="0" algn="b" rotWithShape="0" blurRad="38100" dist="38100" dir="2700000">
+              <a:outerShdw blurRad="38100" dist="38100" dir="2700000" rotWithShape="0">
                 <a:srgbClr val="000000">
                   <a:alpha val="43137"/>
                 </a:srgbClr>
@@ -2654,7 +2613,7 @@
           <a:buFontTx/>
           <a:buNone/>
           <a:tabLst/>
-          <a:defRPr b="0" baseline="0" cap="none" i="0" spc="0" strike="noStrike" sz="1800" u="none" kumimoji="0" normalizeH="0">
+          <a:defRPr kumimoji="0" sz="1800" b="0" i="0" u="none" strike="noStrike" cap="none" spc="0" normalizeH="0" baseline="0">
             <a:ln>
               <a:noFill/>
             </a:ln>
@@ -2680,7 +2639,7 @@
           <a:buFontTx/>
           <a:buNone/>
           <a:tabLst/>
-          <a:defRPr b="0" baseline="0" cap="none" i="0" spc="0" strike="noStrike" sz="1800" u="none" kumimoji="0" normalizeH="0">
+          <a:defRPr kumimoji="0" sz="1800" b="0" i="0" u="none" strike="noStrike" cap="none" spc="0" normalizeH="0" baseline="0">
             <a:ln>
               <a:noFill/>
             </a:ln>
@@ -2706,7 +2665,7 @@
           <a:buFontTx/>
           <a:buNone/>
           <a:tabLst/>
-          <a:defRPr b="0" baseline="0" cap="none" i="0" spc="0" strike="noStrike" sz="1800" u="none" kumimoji="0" normalizeH="0">
+          <a:defRPr kumimoji="0" sz="1800" b="0" i="0" u="none" strike="noStrike" cap="none" spc="0" normalizeH="0" baseline="0">
             <a:ln>
               <a:noFill/>
             </a:ln>
@@ -2732,7 +2691,7 @@
           <a:buFontTx/>
           <a:buNone/>
           <a:tabLst/>
-          <a:defRPr b="0" baseline="0" cap="none" i="0" spc="0" strike="noStrike" sz="1800" u="none" kumimoji="0" normalizeH="0">
+          <a:defRPr kumimoji="0" sz="1800" b="0" i="0" u="none" strike="noStrike" cap="none" spc="0" normalizeH="0" baseline="0">
             <a:ln>
               <a:noFill/>
             </a:ln>
@@ -2758,7 +2717,7 @@
           <a:buFontTx/>
           <a:buNone/>
           <a:tabLst/>
-          <a:defRPr b="0" baseline="0" cap="none" i="0" spc="0" strike="noStrike" sz="1800" u="none" kumimoji="0" normalizeH="0">
+          <a:defRPr kumimoji="0" sz="1800" b="0" i="0" u="none" strike="noStrike" cap="none" spc="0" normalizeH="0" baseline="0">
             <a:ln>
               <a:noFill/>
             </a:ln>
@@ -2784,7 +2743,7 @@
           <a:buFontTx/>
           <a:buNone/>
           <a:tabLst/>
-          <a:defRPr b="0" baseline="0" cap="none" i="0" spc="0" strike="noStrike" sz="1800" u="none" kumimoji="0" normalizeH="0">
+          <a:defRPr kumimoji="0" sz="1800" b="0" i="0" u="none" strike="noStrike" cap="none" spc="0" normalizeH="0" baseline="0">
             <a:ln>
               <a:noFill/>
             </a:ln>
@@ -2810,7 +2769,7 @@
           <a:buFontTx/>
           <a:buNone/>
           <a:tabLst/>
-          <a:defRPr b="0" baseline="0" cap="none" i="0" spc="0" strike="noStrike" sz="1800" u="none" kumimoji="0" normalizeH="0">
+          <a:defRPr kumimoji="0" sz="1800" b="0" i="0" u="none" strike="noStrike" cap="none" spc="0" normalizeH="0" baseline="0">
             <a:ln>
               <a:noFill/>
             </a:ln>
@@ -2836,7 +2795,7 @@
           <a:buFontTx/>
           <a:buNone/>
           <a:tabLst/>
-          <a:defRPr b="0" baseline="0" cap="none" i="0" spc="0" strike="noStrike" sz="1800" u="none" kumimoji="0" normalizeH="0">
+          <a:defRPr kumimoji="0" sz="1800" b="0" i="0" u="none" strike="noStrike" cap="none" spc="0" normalizeH="0" baseline="0">
             <a:ln>
               <a:noFill/>
             </a:ln>
@@ -2862,7 +2821,7 @@
           <a:buFontTx/>
           <a:buNone/>
           <a:tabLst/>
-          <a:defRPr b="0" baseline="0" cap="none" i="0" spc="0" strike="noStrike" sz="1800" u="none" kumimoji="0" normalizeH="0">
+          <a:defRPr kumimoji="0" sz="1800" b="0" i="0" u="none" strike="noStrike" cap="none" spc="0" normalizeH="0" baseline="0">
             <a:ln>
               <a:noFill/>
             </a:ln>
@@ -2875,18 +2834,25 @@
         </a:lvl9pPr>
       </a:lstStyle>
       <a:style>
-        <a:lnRef idx="0"/>
-        <a:fillRef idx="0"/>
-        <a:effectRef idx="0"/>
+        <a:lnRef idx="0">
+          <a:scrgbClr r="0" g="0" b="0"/>
+        </a:lnRef>
+        <a:fillRef idx="0">
+          <a:scrgbClr r="0" g="0" b="0"/>
+        </a:fillRef>
+        <a:effectRef idx="0">
+          <a:scrgbClr r="0" g="0" b="0"/>
+        </a:effectRef>
         <a:fontRef idx="none"/>
       </a:style>
     </a:txDef>
   </a:objectDefaults>
+  <a:extraClrSchemeLst/>
 </a:theme>
 </file>
 
 <file path=ppt/theme/theme2.xml><?xml version="1.0" encoding="utf-8"?>
-<a:theme xmlns:a="http://schemas.openxmlformats.org/drawingml/2006/main" xmlns:r="http://schemas.openxmlformats.org/officeDocument/2006/relationships" name="1_Office 테마">
+<a:theme xmlns:a="http://schemas.openxmlformats.org/drawingml/2006/main" name="1_Office 테마">
   <a:themeElements>
     <a:clrScheme name="1_Office 테마">
       <a:dk1>
@@ -3012,7 +2978,7 @@
       <a:effectStyleLst>
         <a:effectStyle>
           <a:effectLst>
-            <a:outerShdw sx="100000" sy="100000" kx="0" ky="0" algn="b" rotWithShape="0" blurRad="76200" dist="38100" dir="5400000">
+            <a:outerShdw blurRad="76200" dist="38100" dir="5400000" rotWithShape="0">
               <a:srgbClr val="000000">
                 <a:alpha val="35000"/>
               </a:srgbClr>
@@ -3021,7 +2987,7 @@
         </a:effectStyle>
         <a:effectStyle>
           <a:effectLst>
-            <a:outerShdw sx="100000" sy="100000" kx="0" ky="0" algn="b" rotWithShape="0" blurRad="76200" dist="38100" dir="5400000">
+            <a:outerShdw blurRad="76200" dist="38100" dir="5400000" rotWithShape="0">
               <a:srgbClr val="000000">
                 <a:alpha val="35000"/>
               </a:srgbClr>
@@ -3030,7 +2996,7 @@
         </a:effectStyle>
         <a:effectStyle>
           <a:effectLst>
-            <a:outerShdw sx="100000" sy="100000" kx="0" ky="0" algn="b" rotWithShape="0" blurRad="76200" dist="38100" dir="5400000">
+            <a:outerShdw blurRad="76200" dist="38100" dir="5400000" rotWithShape="0">
               <a:srgbClr val="000000">
                 <a:alpha val="38000"/>
               </a:srgbClr>
@@ -3104,7 +3070,7 @@
           <a:round/>
         </a:ln>
         <a:effectLst>
-          <a:outerShdw sx="100000" sy="100000" kx="0" ky="0" algn="b" rotWithShape="0" blurRad="76200" dist="38100" dir="5400000">
+          <a:outerShdw blurRad="76200" dist="38100" dir="5400000" rotWithShape="0">
             <a:srgbClr val="000000">
               <a:alpha val="35000"/>
             </a:srgbClr>
@@ -3112,7 +3078,7 @@
         </a:effectLst>
         <a:sp3d/>
       </a:spPr>
-      <a:bodyPr rot="0" spcFirstLastPara="1" vertOverflow="overflow" horzOverflow="overflow" vert="horz" wrap="square" lIns="91439" tIns="91439" rIns="91439" bIns="91439" numCol="1" spcCol="38100" rtlCol="0" anchor="ctr" upright="0">
+      <a:bodyPr rot="0" spcFirstLastPara="1" vertOverflow="overflow" horzOverflow="overflow" vert="horz" wrap="square" lIns="91439" tIns="91439" rIns="91439" bIns="91439" numCol="1" spcCol="38100" rtlCol="0" anchor="ctr">
         <a:spAutoFit/>
       </a:bodyPr>
       <a:lstStyle>
@@ -3131,7 +3097,7 @@
           <a:buFontTx/>
           <a:buNone/>
           <a:tabLst/>
-          <a:defRPr b="1" baseline="0" cap="none" i="0" spc="0" strike="noStrike" sz="8000" u="none" kumimoji="0" normalizeH="0">
+          <a:defRPr kumimoji="0" sz="8000" b="1" i="0" u="none" strike="noStrike" cap="none" spc="0" normalizeH="0" baseline="0">
             <a:ln>
               <a:noFill/>
             </a:ln>
@@ -3139,7 +3105,7 @@
               <a:srgbClr val="FFFFFF"/>
             </a:solidFill>
             <a:effectLst>
-              <a:outerShdw sx="100000" sy="100000" kx="0" ky="0" algn="b" rotWithShape="0" blurRad="38100" dist="38100" dir="2700000">
+              <a:outerShdw blurRad="38100" dist="38100" dir="2700000" rotWithShape="0">
                 <a:srgbClr val="000000">
                   <a:alpha val="43137"/>
                 </a:srgbClr>
@@ -3167,7 +3133,7 @@
           <a:buFontTx/>
           <a:buNone/>
           <a:tabLst/>
-          <a:defRPr b="0" baseline="0" cap="none" i="0" spc="0" strike="noStrike" sz="1800" u="none" kumimoji="0" normalizeH="0">
+          <a:defRPr kumimoji="0" sz="1800" b="0" i="0" u="none" strike="noStrike" cap="none" spc="0" normalizeH="0" baseline="0">
             <a:ln>
               <a:noFill/>
             </a:ln>
@@ -3193,7 +3159,7 @@
           <a:buFontTx/>
           <a:buNone/>
           <a:tabLst/>
-          <a:defRPr b="0" baseline="0" cap="none" i="0" spc="0" strike="noStrike" sz="1800" u="none" kumimoji="0" normalizeH="0">
+          <a:defRPr kumimoji="0" sz="1800" b="0" i="0" u="none" strike="noStrike" cap="none" spc="0" normalizeH="0" baseline="0">
             <a:ln>
               <a:noFill/>
             </a:ln>
@@ -3219,7 +3185,7 @@
           <a:buFontTx/>
           <a:buNone/>
           <a:tabLst/>
-          <a:defRPr b="0" baseline="0" cap="none" i="0" spc="0" strike="noStrike" sz="1800" u="none" kumimoji="0" normalizeH="0">
+          <a:defRPr kumimoji="0" sz="1800" b="0" i="0" u="none" strike="noStrike" cap="none" spc="0" normalizeH="0" baseline="0">
             <a:ln>
               <a:noFill/>
             </a:ln>
@@ -3245,7 +3211,7 @@
           <a:buFontTx/>
           <a:buNone/>
           <a:tabLst/>
-          <a:defRPr b="0" baseline="0" cap="none" i="0" spc="0" strike="noStrike" sz="1800" u="none" kumimoji="0" normalizeH="0">
+          <a:defRPr kumimoji="0" sz="1800" b="0" i="0" u="none" strike="noStrike" cap="none" spc="0" normalizeH="0" baseline="0">
             <a:ln>
               <a:noFill/>
             </a:ln>
@@ -3271,7 +3237,7 @@
           <a:buFontTx/>
           <a:buNone/>
           <a:tabLst/>
-          <a:defRPr b="0" baseline="0" cap="none" i="0" spc="0" strike="noStrike" sz="1800" u="none" kumimoji="0" normalizeH="0">
+          <a:defRPr kumimoji="0" sz="1800" b="0" i="0" u="none" strike="noStrike" cap="none" spc="0" normalizeH="0" baseline="0">
             <a:ln>
               <a:noFill/>
             </a:ln>
@@ -3297,7 +3263,7 @@
           <a:buFontTx/>
           <a:buNone/>
           <a:tabLst/>
-          <a:defRPr b="0" baseline="0" cap="none" i="0" spc="0" strike="noStrike" sz="1800" u="none" kumimoji="0" normalizeH="0">
+          <a:defRPr kumimoji="0" sz="1800" b="0" i="0" u="none" strike="noStrike" cap="none" spc="0" normalizeH="0" baseline="0">
             <a:ln>
               <a:noFill/>
             </a:ln>
@@ -3323,7 +3289,7 @@
           <a:buFontTx/>
           <a:buNone/>
           <a:tabLst/>
-          <a:defRPr b="0" baseline="0" cap="none" i="0" spc="0" strike="noStrike" sz="1800" u="none" kumimoji="0" normalizeH="0">
+          <a:defRPr kumimoji="0" sz="1800" b="0" i="0" u="none" strike="noStrike" cap="none" spc="0" normalizeH="0" baseline="0">
             <a:ln>
               <a:noFill/>
             </a:ln>
@@ -3349,7 +3315,7 @@
           <a:buFontTx/>
           <a:buNone/>
           <a:tabLst/>
-          <a:defRPr b="0" baseline="0" cap="none" i="0" spc="0" strike="noStrike" sz="1800" u="none" kumimoji="0" normalizeH="0">
+          <a:defRPr kumimoji="0" sz="1800" b="0" i="0" u="none" strike="noStrike" cap="none" spc="0" normalizeH="0" baseline="0">
             <a:ln>
               <a:noFill/>
             </a:ln>
@@ -3375,7 +3341,7 @@
           <a:buFontTx/>
           <a:buNone/>
           <a:tabLst/>
-          <a:defRPr b="0" baseline="0" cap="none" i="0" spc="0" strike="noStrike" sz="1800" u="none" kumimoji="0" normalizeH="0">
+          <a:defRPr kumimoji="0" sz="1800" b="0" i="0" u="none" strike="noStrike" cap="none" spc="0" normalizeH="0" baseline="0">
             <a:ln>
               <a:noFill/>
             </a:ln>
@@ -3388,9 +3354,15 @@
         </a:lvl9pPr>
       </a:lstStyle>
       <a:style>
-        <a:lnRef idx="0"/>
-        <a:fillRef idx="0"/>
-        <a:effectRef idx="0"/>
+        <a:lnRef idx="0">
+          <a:scrgbClr r="0" g="0" b="0"/>
+        </a:lnRef>
+        <a:fillRef idx="0">
+          <a:scrgbClr r="0" g="0" b="0"/>
+        </a:fillRef>
+        <a:effectRef idx="0">
+          <a:scrgbClr r="0" g="0" b="0"/>
+        </a:effectRef>
         <a:fontRef idx="none"/>
       </a:style>
     </a:spDef>
@@ -3405,7 +3377,7 @@
           <a:round/>
         </a:ln>
         <a:effectLst>
-          <a:outerShdw sx="100000" sy="100000" kx="0" ky="0" algn="b" rotWithShape="0" blurRad="76200" dist="38100" dir="5400000">
+          <a:outerShdw blurRad="76200" dist="38100" dir="5400000" rotWithShape="0">
             <a:srgbClr val="000000">
               <a:alpha val="38000"/>
             </a:srgbClr>
@@ -3413,7 +3385,7 @@
         </a:effectLst>
         <a:sp3d/>
       </a:spPr>
-      <a:bodyPr rot="0" spcFirstLastPara="1" vertOverflow="overflow" horzOverflow="overflow" vert="horz" wrap="square" lIns="91439" tIns="45719" rIns="91439" bIns="45719" numCol="1" spcCol="38100" rtlCol="0" anchor="t" upright="0">
+      <a:bodyPr rot="0" spcFirstLastPara="1" vertOverflow="overflow" horzOverflow="overflow" vert="horz" wrap="square" lIns="91439" tIns="45719" rIns="91439" bIns="45719" numCol="1" spcCol="38100" rtlCol="0" anchor="t">
         <a:noAutofit/>
       </a:bodyPr>
       <a:lstStyle>
@@ -3432,7 +3404,7 @@
           <a:buFontTx/>
           <a:buNone/>
           <a:tabLst/>
-          <a:defRPr b="0" baseline="0" cap="none" i="0" spc="0" strike="noStrike" sz="1800" u="none" kumimoji="0" normalizeH="0">
+          <a:defRPr kumimoji="0" sz="1800" b="0" i="0" u="none" strike="noStrike" cap="none" spc="0" normalizeH="0" baseline="0">
             <a:ln>
               <a:noFill/>
             </a:ln>
@@ -3458,7 +3430,7 @@
           <a:buFontTx/>
           <a:buNone/>
           <a:tabLst/>
-          <a:defRPr b="0" baseline="0" cap="none" i="0" spc="0" strike="noStrike" sz="1800" u="none" kumimoji="0" normalizeH="0">
+          <a:defRPr kumimoji="0" sz="1800" b="0" i="0" u="none" strike="noStrike" cap="none" spc="0" normalizeH="0" baseline="0">
             <a:ln>
               <a:noFill/>
             </a:ln>
@@ -3484,7 +3456,7 @@
           <a:buFontTx/>
           <a:buNone/>
           <a:tabLst/>
-          <a:defRPr b="0" baseline="0" cap="none" i="0" spc="0" strike="noStrike" sz="1800" u="none" kumimoji="0" normalizeH="0">
+          <a:defRPr kumimoji="0" sz="1800" b="0" i="0" u="none" strike="noStrike" cap="none" spc="0" normalizeH="0" baseline="0">
             <a:ln>
               <a:noFill/>
             </a:ln>
@@ -3510,7 +3482,7 @@
           <a:buFontTx/>
           <a:buNone/>
           <a:tabLst/>
-          <a:defRPr b="0" baseline="0" cap="none" i="0" spc="0" strike="noStrike" sz="1800" u="none" kumimoji="0" normalizeH="0">
+          <a:defRPr kumimoji="0" sz="1800" b="0" i="0" u="none" strike="noStrike" cap="none" spc="0" normalizeH="0" baseline="0">
             <a:ln>
               <a:noFill/>
             </a:ln>
@@ -3536,7 +3508,7 @@
           <a:buFontTx/>
           <a:buNone/>
           <a:tabLst/>
-          <a:defRPr b="0" baseline="0" cap="none" i="0" spc="0" strike="noStrike" sz="1800" u="none" kumimoji="0" normalizeH="0">
+          <a:defRPr kumimoji="0" sz="1800" b="0" i="0" u="none" strike="noStrike" cap="none" spc="0" normalizeH="0" baseline="0">
             <a:ln>
               <a:noFill/>
             </a:ln>
@@ -3562,7 +3534,7 @@
           <a:buFontTx/>
           <a:buNone/>
           <a:tabLst/>
-          <a:defRPr b="0" baseline="0" cap="none" i="0" spc="0" strike="noStrike" sz="1800" u="none" kumimoji="0" normalizeH="0">
+          <a:defRPr kumimoji="0" sz="1800" b="0" i="0" u="none" strike="noStrike" cap="none" spc="0" normalizeH="0" baseline="0">
             <a:ln>
               <a:noFill/>
             </a:ln>
@@ -3588,7 +3560,7 @@
           <a:buFontTx/>
           <a:buNone/>
           <a:tabLst/>
-          <a:defRPr b="0" baseline="0" cap="none" i="0" spc="0" strike="noStrike" sz="1800" u="none" kumimoji="0" normalizeH="0">
+          <a:defRPr kumimoji="0" sz="1800" b="0" i="0" u="none" strike="noStrike" cap="none" spc="0" normalizeH="0" baseline="0">
             <a:ln>
               <a:noFill/>
             </a:ln>
@@ -3614,7 +3586,7 @@
           <a:buFontTx/>
           <a:buNone/>
           <a:tabLst/>
-          <a:defRPr b="0" baseline="0" cap="none" i="0" spc="0" strike="noStrike" sz="1800" u="none" kumimoji="0" normalizeH="0">
+          <a:defRPr kumimoji="0" sz="1800" b="0" i="0" u="none" strike="noStrike" cap="none" spc="0" normalizeH="0" baseline="0">
             <a:ln>
               <a:noFill/>
             </a:ln>
@@ -3640,7 +3612,7 @@
           <a:buFontTx/>
           <a:buNone/>
           <a:tabLst/>
-          <a:defRPr b="0" baseline="0" cap="none" i="0" spc="0" strike="noStrike" sz="1800" u="none" kumimoji="0" normalizeH="0">
+          <a:defRPr kumimoji="0" sz="1800" b="0" i="0" u="none" strike="noStrike" cap="none" spc="0" normalizeH="0" baseline="0">
             <a:ln>
               <a:noFill/>
             </a:ln>
@@ -3666,7 +3638,7 @@
           <a:buFontTx/>
           <a:buNone/>
           <a:tabLst/>
-          <a:defRPr b="0" baseline="0" cap="none" i="0" spc="0" strike="noStrike" sz="1800" u="none" kumimoji="0" normalizeH="0">
+          <a:defRPr kumimoji="0" sz="1800" b="0" i="0" u="none" strike="noStrike" cap="none" spc="0" normalizeH="0" baseline="0">
             <a:ln>
               <a:noFill/>
             </a:ln>
@@ -3679,9 +3651,15 @@
         </a:lvl9pPr>
       </a:lstStyle>
       <a:style>
-        <a:lnRef idx="0"/>
-        <a:fillRef idx="0"/>
-        <a:effectRef idx="0"/>
+        <a:lnRef idx="0">
+          <a:scrgbClr r="0" g="0" b="0"/>
+        </a:lnRef>
+        <a:fillRef idx="0">
+          <a:scrgbClr r="0" g="0" b="0"/>
+        </a:fillRef>
+        <a:effectRef idx="0">
+          <a:scrgbClr r="0" g="0" b="0"/>
+        </a:effectRef>
         <a:fontRef idx="none"/>
       </a:style>
     </a:lnDef>
@@ -3695,7 +3673,7 @@
         <a:effectLst/>
         <a:sp3d/>
       </a:spPr>
-      <a:bodyPr rot="0" spcFirstLastPara="1" vertOverflow="overflow" horzOverflow="overflow" vert="horz" wrap="square" lIns="91439" tIns="91439" rIns="91439" bIns="91439" numCol="1" spcCol="38100" rtlCol="0" anchor="t" upright="0">
+      <a:bodyPr rot="0" spcFirstLastPara="1" vertOverflow="overflow" horzOverflow="overflow" vert="horz" wrap="square" lIns="91439" tIns="91439" rIns="91439" bIns="91439" numCol="1" spcCol="38100" rtlCol="0" anchor="t">
         <a:spAutoFit/>
       </a:bodyPr>
       <a:lstStyle>
@@ -3714,7 +3692,7 @@
           <a:buFontTx/>
           <a:buNone/>
           <a:tabLst/>
-          <a:defRPr b="1" baseline="0" cap="none" i="0" spc="0" strike="noStrike" sz="8000" u="none" kumimoji="0" normalizeH="0">
+          <a:defRPr kumimoji="0" sz="8000" b="1" i="0" u="none" strike="noStrike" cap="none" spc="0" normalizeH="0" baseline="0">
             <a:ln>
               <a:noFill/>
             </a:ln>
@@ -3722,7 +3700,7 @@
               <a:srgbClr val="FFFFFF"/>
             </a:solidFill>
             <a:effectLst>
-              <a:outerShdw sx="100000" sy="100000" kx="0" ky="0" algn="b" rotWithShape="0" blurRad="38100" dist="38100" dir="2700000">
+              <a:outerShdw blurRad="38100" dist="38100" dir="2700000" rotWithShape="0">
                 <a:srgbClr val="000000">
                   <a:alpha val="43137"/>
                 </a:srgbClr>
@@ -3750,7 +3728,7 @@
           <a:buFontTx/>
           <a:buNone/>
           <a:tabLst/>
-          <a:defRPr b="0" baseline="0" cap="none" i="0" spc="0" strike="noStrike" sz="1800" u="none" kumimoji="0" normalizeH="0">
+          <a:defRPr kumimoji="0" sz="1800" b="0" i="0" u="none" strike="noStrike" cap="none" spc="0" normalizeH="0" baseline="0">
             <a:ln>
               <a:noFill/>
             </a:ln>
@@ -3776,7 +3754,7 @@
           <a:buFontTx/>
           <a:buNone/>
           <a:tabLst/>
-          <a:defRPr b="0" baseline="0" cap="none" i="0" spc="0" strike="noStrike" sz="1800" u="none" kumimoji="0" normalizeH="0">
+          <a:defRPr kumimoji="0" sz="1800" b="0" i="0" u="none" strike="noStrike" cap="none" spc="0" normalizeH="0" baseline="0">
             <a:ln>
               <a:noFill/>
             </a:ln>
@@ -3802,7 +3780,7 @@
           <a:buFontTx/>
           <a:buNone/>
           <a:tabLst/>
-          <a:defRPr b="0" baseline="0" cap="none" i="0" spc="0" strike="noStrike" sz="1800" u="none" kumimoji="0" normalizeH="0">
+          <a:defRPr kumimoji="0" sz="1800" b="0" i="0" u="none" strike="noStrike" cap="none" spc="0" normalizeH="0" baseline="0">
             <a:ln>
               <a:noFill/>
             </a:ln>
@@ -3828,7 +3806,7 @@
           <a:buFontTx/>
           <a:buNone/>
           <a:tabLst/>
-          <a:defRPr b="0" baseline="0" cap="none" i="0" spc="0" strike="noStrike" sz="1800" u="none" kumimoji="0" normalizeH="0">
+          <a:defRPr kumimoji="0" sz="1800" b="0" i="0" u="none" strike="noStrike" cap="none" spc="0" normalizeH="0" baseline="0">
             <a:ln>
               <a:noFill/>
             </a:ln>
@@ -3854,7 +3832,7 @@
           <a:buFontTx/>
           <a:buNone/>
           <a:tabLst/>
-          <a:defRPr b="0" baseline="0" cap="none" i="0" spc="0" strike="noStrike" sz="1800" u="none" kumimoji="0" normalizeH="0">
+          <a:defRPr kumimoji="0" sz="1800" b="0" i="0" u="none" strike="noStrike" cap="none" spc="0" normalizeH="0" baseline="0">
             <a:ln>
               <a:noFill/>
             </a:ln>
@@ -3880,7 +3858,7 @@
           <a:buFontTx/>
           <a:buNone/>
           <a:tabLst/>
-          <a:defRPr b="0" baseline="0" cap="none" i="0" spc="0" strike="noStrike" sz="1800" u="none" kumimoji="0" normalizeH="0">
+          <a:defRPr kumimoji="0" sz="1800" b="0" i="0" u="none" strike="noStrike" cap="none" spc="0" normalizeH="0" baseline="0">
             <a:ln>
               <a:noFill/>
             </a:ln>
@@ -3906,7 +3884,7 @@
           <a:buFontTx/>
           <a:buNone/>
           <a:tabLst/>
-          <a:defRPr b="0" baseline="0" cap="none" i="0" spc="0" strike="noStrike" sz="1800" u="none" kumimoji="0" normalizeH="0">
+          <a:defRPr kumimoji="0" sz="1800" b="0" i="0" u="none" strike="noStrike" cap="none" spc="0" normalizeH="0" baseline="0">
             <a:ln>
               <a:noFill/>
             </a:ln>
@@ -3932,7 +3910,7 @@
           <a:buFontTx/>
           <a:buNone/>
           <a:tabLst/>
-          <a:defRPr b="0" baseline="0" cap="none" i="0" spc="0" strike="noStrike" sz="1800" u="none" kumimoji="0" normalizeH="0">
+          <a:defRPr kumimoji="0" sz="1800" b="0" i="0" u="none" strike="noStrike" cap="none" spc="0" normalizeH="0" baseline="0">
             <a:ln>
               <a:noFill/>
             </a:ln>
@@ -3958,7 +3936,7 @@
           <a:buFontTx/>
           <a:buNone/>
           <a:tabLst/>
-          <a:defRPr b="0" baseline="0" cap="none" i="0" spc="0" strike="noStrike" sz="1800" u="none" kumimoji="0" normalizeH="0">
+          <a:defRPr kumimoji="0" sz="1800" b="0" i="0" u="none" strike="noStrike" cap="none" spc="0" normalizeH="0" baseline="0">
             <a:ln>
               <a:noFill/>
             </a:ln>
@@ -3971,12 +3949,19 @@
         </a:lvl9pPr>
       </a:lstStyle>
       <a:style>
-        <a:lnRef idx="0"/>
-        <a:fillRef idx="0"/>
-        <a:effectRef idx="0"/>
+        <a:lnRef idx="0">
+          <a:scrgbClr r="0" g="0" b="0"/>
+        </a:lnRef>
+        <a:fillRef idx="0">
+          <a:scrgbClr r="0" g="0" b="0"/>
+        </a:fillRef>
+        <a:effectRef idx="0">
+          <a:scrgbClr r="0" g="0" b="0"/>
+        </a:effectRef>
         <a:fontRef idx="none"/>
       </a:style>
     </a:txDef>
   </a:objectDefaults>
+  <a:extraClrSchemeLst/>
 </a:theme>
 </file>
--- a/resource/base-key-pptx.pptx
+++ b/resource/base-key-pptx.pptx
@@ -38,10 +38,10 @@
     </a:defPPr>
     <a:lvl1pPr marL="0" marR="0" indent="0" algn="ctr" defTabSz="1828800" rtl="0" fontAlgn="auto" latinLnBrk="0" hangingPunct="0">
       <a:lnSpc>
-        <a:spcPct val="150000"/>
+        <a:spcPct val="160000"/>
       </a:lnSpc>
       <a:spcBef>
-        <a:spcPts val="1200"/>
+        <a:spcPts val="600"/>
       </a:spcBef>
       <a:spcAft>
         <a:spcPts val="0"/>
@@ -51,7 +51,7 @@
       <a:buFontTx/>
       <a:buNone/>
       <a:tabLst/>
-      <a:defRPr kumimoji="0" sz="8000" b="1" i="0" u="none" strike="noStrike" cap="none" spc="0" normalizeH="0" baseline="0">
+      <a:defRPr kumimoji="0" sz="8000" b="0" i="0" u="none" strike="noStrike" cap="none" spc="0" normalizeH="0" baseline="0">
         <a:ln>
           <a:noFill/>
         </a:ln>
@@ -69,15 +69,15 @@
         <a:latin typeface="+mn-lt"/>
         <a:ea typeface="+mn-ea"/>
         <a:cs typeface="+mn-cs"/>
-        <a:sym typeface="나눔바른고딕"/>
+        <a:sym typeface="S-Core Dream 5 Medium"/>
       </a:defRPr>
     </a:lvl1pPr>
     <a:lvl2pPr marL="0" marR="0" indent="457200" algn="ctr" defTabSz="1828800" rtl="0" fontAlgn="auto" latinLnBrk="0" hangingPunct="0">
       <a:lnSpc>
-        <a:spcPct val="150000"/>
+        <a:spcPct val="160000"/>
       </a:lnSpc>
       <a:spcBef>
-        <a:spcPts val="1200"/>
+        <a:spcPts val="600"/>
       </a:spcBef>
       <a:spcAft>
         <a:spcPts val="0"/>
@@ -87,7 +87,7 @@
       <a:buFontTx/>
       <a:buNone/>
       <a:tabLst/>
-      <a:defRPr kumimoji="0" sz="8000" b="1" i="0" u="none" strike="noStrike" cap="none" spc="0" normalizeH="0" baseline="0">
+      <a:defRPr kumimoji="0" sz="8000" b="0" i="0" u="none" strike="noStrike" cap="none" spc="0" normalizeH="0" baseline="0">
         <a:ln>
           <a:noFill/>
         </a:ln>
@@ -105,15 +105,15 @@
         <a:latin typeface="+mn-lt"/>
         <a:ea typeface="+mn-ea"/>
         <a:cs typeface="+mn-cs"/>
-        <a:sym typeface="나눔바른고딕"/>
+        <a:sym typeface="S-Core Dream 5 Medium"/>
       </a:defRPr>
     </a:lvl2pPr>
     <a:lvl3pPr marL="0" marR="0" indent="914400" algn="ctr" defTabSz="1828800" rtl="0" fontAlgn="auto" latinLnBrk="0" hangingPunct="0">
       <a:lnSpc>
-        <a:spcPct val="150000"/>
+        <a:spcPct val="160000"/>
       </a:lnSpc>
       <a:spcBef>
-        <a:spcPts val="1200"/>
+        <a:spcPts val="600"/>
       </a:spcBef>
       <a:spcAft>
         <a:spcPts val="0"/>
@@ -123,7 +123,7 @@
       <a:buFontTx/>
       <a:buNone/>
       <a:tabLst/>
-      <a:defRPr kumimoji="0" sz="8000" b="1" i="0" u="none" strike="noStrike" cap="none" spc="0" normalizeH="0" baseline="0">
+      <a:defRPr kumimoji="0" sz="8000" b="0" i="0" u="none" strike="noStrike" cap="none" spc="0" normalizeH="0" baseline="0">
         <a:ln>
           <a:noFill/>
         </a:ln>
@@ -141,15 +141,15 @@
         <a:latin typeface="+mn-lt"/>
         <a:ea typeface="+mn-ea"/>
         <a:cs typeface="+mn-cs"/>
-        <a:sym typeface="나눔바른고딕"/>
+        <a:sym typeface="S-Core Dream 5 Medium"/>
       </a:defRPr>
     </a:lvl3pPr>
     <a:lvl4pPr marL="0" marR="0" indent="1371600" algn="ctr" defTabSz="1828800" rtl="0" fontAlgn="auto" latinLnBrk="0" hangingPunct="0">
       <a:lnSpc>
-        <a:spcPct val="150000"/>
+        <a:spcPct val="160000"/>
       </a:lnSpc>
       <a:spcBef>
-        <a:spcPts val="1200"/>
+        <a:spcPts val="600"/>
       </a:spcBef>
       <a:spcAft>
         <a:spcPts val="0"/>
@@ -159,7 +159,7 @@
       <a:buFontTx/>
       <a:buNone/>
       <a:tabLst/>
-      <a:defRPr kumimoji="0" sz="8000" b="1" i="0" u="none" strike="noStrike" cap="none" spc="0" normalizeH="0" baseline="0">
+      <a:defRPr kumimoji="0" sz="8000" b="0" i="0" u="none" strike="noStrike" cap="none" spc="0" normalizeH="0" baseline="0">
         <a:ln>
           <a:noFill/>
         </a:ln>
@@ -177,15 +177,15 @@
         <a:latin typeface="+mn-lt"/>
         <a:ea typeface="+mn-ea"/>
         <a:cs typeface="+mn-cs"/>
-        <a:sym typeface="나눔바른고딕"/>
+        <a:sym typeface="S-Core Dream 5 Medium"/>
       </a:defRPr>
     </a:lvl4pPr>
     <a:lvl5pPr marL="0" marR="0" indent="1828800" algn="ctr" defTabSz="1828800" rtl="0" fontAlgn="auto" latinLnBrk="0" hangingPunct="0">
       <a:lnSpc>
-        <a:spcPct val="150000"/>
+        <a:spcPct val="160000"/>
       </a:lnSpc>
       <a:spcBef>
-        <a:spcPts val="1200"/>
+        <a:spcPts val="600"/>
       </a:spcBef>
       <a:spcAft>
         <a:spcPts val="0"/>
@@ -195,7 +195,7 @@
       <a:buFontTx/>
       <a:buNone/>
       <a:tabLst/>
-      <a:defRPr kumimoji="0" sz="8000" b="1" i="0" u="none" strike="noStrike" cap="none" spc="0" normalizeH="0" baseline="0">
+      <a:defRPr kumimoji="0" sz="8000" b="0" i="0" u="none" strike="noStrike" cap="none" spc="0" normalizeH="0" baseline="0">
         <a:ln>
           <a:noFill/>
         </a:ln>
@@ -213,15 +213,15 @@
         <a:latin typeface="+mn-lt"/>
         <a:ea typeface="+mn-ea"/>
         <a:cs typeface="+mn-cs"/>
-        <a:sym typeface="나눔바른고딕"/>
+        <a:sym typeface="S-Core Dream 5 Medium"/>
       </a:defRPr>
     </a:lvl5pPr>
     <a:lvl6pPr marL="3200400" marR="0" indent="-914400" algn="ctr" defTabSz="1828800" rtl="0" fontAlgn="auto" latinLnBrk="0" hangingPunct="0">
       <a:lnSpc>
-        <a:spcPct val="150000"/>
+        <a:spcPct val="160000"/>
       </a:lnSpc>
       <a:spcBef>
-        <a:spcPts val="1200"/>
+        <a:spcPts val="600"/>
       </a:spcBef>
       <a:spcAft>
         <a:spcPts val="0"/>
@@ -231,7 +231,7 @@
       <a:buFontTx/>
       <a:buChar char="•"/>
       <a:tabLst/>
-      <a:defRPr kumimoji="0" sz="8000" b="1" i="0" u="none" strike="noStrike" cap="none" spc="0" normalizeH="0" baseline="0">
+      <a:defRPr kumimoji="0" sz="8000" b="0" i="0" u="none" strike="noStrike" cap="none" spc="0" normalizeH="0" baseline="0">
         <a:ln>
           <a:noFill/>
         </a:ln>
@@ -249,15 +249,15 @@
         <a:latin typeface="+mn-lt"/>
         <a:ea typeface="+mn-ea"/>
         <a:cs typeface="+mn-cs"/>
-        <a:sym typeface="나눔바른고딕"/>
+        <a:sym typeface="S-Core Dream 5 Medium"/>
       </a:defRPr>
     </a:lvl6pPr>
     <a:lvl7pPr marL="3657600" marR="0" indent="-914400" algn="ctr" defTabSz="1828800" rtl="0" fontAlgn="auto" latinLnBrk="0" hangingPunct="0">
       <a:lnSpc>
-        <a:spcPct val="150000"/>
+        <a:spcPct val="160000"/>
       </a:lnSpc>
       <a:spcBef>
-        <a:spcPts val="1200"/>
+        <a:spcPts val="600"/>
       </a:spcBef>
       <a:spcAft>
         <a:spcPts val="0"/>
@@ -267,7 +267,7 @@
       <a:buFontTx/>
       <a:buChar char="•"/>
       <a:tabLst/>
-      <a:defRPr kumimoji="0" sz="8000" b="1" i="0" u="none" strike="noStrike" cap="none" spc="0" normalizeH="0" baseline="0">
+      <a:defRPr kumimoji="0" sz="8000" b="0" i="0" u="none" strike="noStrike" cap="none" spc="0" normalizeH="0" baseline="0">
         <a:ln>
           <a:noFill/>
         </a:ln>
@@ -285,15 +285,15 @@
         <a:latin typeface="+mn-lt"/>
         <a:ea typeface="+mn-ea"/>
         <a:cs typeface="+mn-cs"/>
-        <a:sym typeface="나눔바른고딕"/>
+        <a:sym typeface="S-Core Dream 5 Medium"/>
       </a:defRPr>
     </a:lvl7pPr>
     <a:lvl8pPr marL="4114800" marR="0" indent="-914400" algn="ctr" defTabSz="1828800" rtl="0" fontAlgn="auto" latinLnBrk="0" hangingPunct="0">
       <a:lnSpc>
-        <a:spcPct val="150000"/>
+        <a:spcPct val="160000"/>
       </a:lnSpc>
       <a:spcBef>
-        <a:spcPts val="1200"/>
+        <a:spcPts val="600"/>
       </a:spcBef>
       <a:spcAft>
         <a:spcPts val="0"/>
@@ -303,7 +303,7 @@
       <a:buFontTx/>
       <a:buChar char="•"/>
       <a:tabLst/>
-      <a:defRPr kumimoji="0" sz="8000" b="1" i="0" u="none" strike="noStrike" cap="none" spc="0" normalizeH="0" baseline="0">
+      <a:defRPr kumimoji="0" sz="8000" b="0" i="0" u="none" strike="noStrike" cap="none" spc="0" normalizeH="0" baseline="0">
         <a:ln>
           <a:noFill/>
         </a:ln>
@@ -321,15 +321,15 @@
         <a:latin typeface="+mn-lt"/>
         <a:ea typeface="+mn-ea"/>
         <a:cs typeface="+mn-cs"/>
-        <a:sym typeface="나눔바른고딕"/>
+        <a:sym typeface="S-Core Dream 5 Medium"/>
       </a:defRPr>
     </a:lvl8pPr>
     <a:lvl9pPr marL="4572000" marR="0" indent="-914400" algn="ctr" defTabSz="1828800" rtl="0" fontAlgn="auto" latinLnBrk="0" hangingPunct="0">
       <a:lnSpc>
-        <a:spcPct val="150000"/>
+        <a:spcPct val="160000"/>
       </a:lnSpc>
       <a:spcBef>
-        <a:spcPts val="1200"/>
+        <a:spcPts val="600"/>
       </a:spcBef>
       <a:spcAft>
         <a:spcPts val="0"/>
@@ -339,7 +339,7 @@
       <a:buFontTx/>
       <a:buChar char="•"/>
       <a:tabLst/>
-      <a:defRPr kumimoji="0" sz="8000" b="1" i="0" u="none" strike="noStrike" cap="none" spc="0" normalizeH="0" baseline="0">
+      <a:defRPr kumimoji="0" sz="8000" b="0" i="0" u="none" strike="noStrike" cap="none" spc="0" normalizeH="0" baseline="0">
         <a:ln>
           <a:noFill/>
         </a:ln>
@@ -357,7 +357,7 @@
         <a:latin typeface="+mn-lt"/>
         <a:ea typeface="+mn-ea"/>
         <a:cs typeface="+mn-cs"/>
-        <a:sym typeface="나눔바른고딕"/>
+        <a:sym typeface="S-Core Dream 5 Medium"/>
       </a:defRPr>
     </a:lvl9pPr>
   </p:defaultTextStyle>
@@ -449,7 +449,7 @@
         <a:latin typeface="+mn-lt"/>
         <a:ea typeface="+mn-ea"/>
         <a:cs typeface="+mn-cs"/>
-        <a:sym typeface="나눔바른고딕"/>
+        <a:sym typeface="S-Core Dream 5 Medium"/>
       </a:defRPr>
     </a:lvl1pPr>
     <a:lvl2pPr indent="228600" defTabSz="1828800" latinLnBrk="0">
@@ -457,7 +457,7 @@
         <a:latin typeface="+mn-lt"/>
         <a:ea typeface="+mn-ea"/>
         <a:cs typeface="+mn-cs"/>
-        <a:sym typeface="나눔바른고딕"/>
+        <a:sym typeface="S-Core Dream 5 Medium"/>
       </a:defRPr>
     </a:lvl2pPr>
     <a:lvl3pPr indent="457200" defTabSz="1828800" latinLnBrk="0">
@@ -465,7 +465,7 @@
         <a:latin typeface="+mn-lt"/>
         <a:ea typeface="+mn-ea"/>
         <a:cs typeface="+mn-cs"/>
-        <a:sym typeface="나눔바른고딕"/>
+        <a:sym typeface="S-Core Dream 5 Medium"/>
       </a:defRPr>
     </a:lvl3pPr>
     <a:lvl4pPr indent="685800" defTabSz="1828800" latinLnBrk="0">
@@ -473,7 +473,7 @@
         <a:latin typeface="+mn-lt"/>
         <a:ea typeface="+mn-ea"/>
         <a:cs typeface="+mn-cs"/>
-        <a:sym typeface="나눔바른고딕"/>
+        <a:sym typeface="S-Core Dream 5 Medium"/>
       </a:defRPr>
     </a:lvl4pPr>
     <a:lvl5pPr indent="914400" defTabSz="1828800" latinLnBrk="0">
@@ -481,7 +481,7 @@
         <a:latin typeface="+mn-lt"/>
         <a:ea typeface="+mn-ea"/>
         <a:cs typeface="+mn-cs"/>
-        <a:sym typeface="나눔바른고딕"/>
+        <a:sym typeface="S-Core Dream 5 Medium"/>
       </a:defRPr>
     </a:lvl5pPr>
     <a:lvl6pPr indent="1143000" defTabSz="1828800" latinLnBrk="0">
@@ -489,7 +489,7 @@
         <a:latin typeface="+mn-lt"/>
         <a:ea typeface="+mn-ea"/>
         <a:cs typeface="+mn-cs"/>
-        <a:sym typeface="나눔바른고딕"/>
+        <a:sym typeface="S-Core Dream 5 Medium"/>
       </a:defRPr>
     </a:lvl6pPr>
     <a:lvl7pPr indent="1371600" defTabSz="1828800" latinLnBrk="0">
@@ -497,7 +497,7 @@
         <a:latin typeface="+mn-lt"/>
         <a:ea typeface="+mn-ea"/>
         <a:cs typeface="+mn-cs"/>
-        <a:sym typeface="나눔바른고딕"/>
+        <a:sym typeface="S-Core Dream 5 Medium"/>
       </a:defRPr>
     </a:lvl7pPr>
     <a:lvl8pPr indent="1600200" defTabSz="1828800" latinLnBrk="0">
@@ -505,7 +505,7 @@
         <a:latin typeface="+mn-lt"/>
         <a:ea typeface="+mn-ea"/>
         <a:cs typeface="+mn-cs"/>
-        <a:sym typeface="나눔바른고딕"/>
+        <a:sym typeface="S-Core Dream 5 Medium"/>
       </a:defRPr>
     </a:lvl8pPr>
     <a:lvl9pPr indent="1828800" defTabSz="1828800" latinLnBrk="0">
@@ -513,7 +513,7 @@
         <a:latin typeface="+mn-lt"/>
         <a:ea typeface="+mn-ea"/>
         <a:cs typeface="+mn-cs"/>
-        <a:sym typeface="나눔바른고딕"/>
+        <a:sym typeface="S-Core Dream 5 Medium"/>
       </a:defRPr>
     </a:lvl9pPr>
   </p:notesStyle>
@@ -522,7 +522,7 @@
 
 <file path=ppt/slideLayouts/slideLayout1.xml><?xml version="1.0" encoding="utf-8"?>
 <p:sldLayout xmlns:a="http://schemas.openxmlformats.org/drawingml/2006/main" xmlns:r="http://schemas.openxmlformats.org/officeDocument/2006/relationships" xmlns:p="http://schemas.openxmlformats.org/presentationml/2006/main" type="tx">
-  <p:cSld name="가사PPT">
+  <p:cSld name="가사">
     <p:spTree>
       <p:nvGrpSpPr>
         <p:cNvPr id="1" name=""/>
@@ -805,10 +805,15 @@
           </a:extLst>
         </p:spPr>
         <p:txBody>
-          <a:bodyPr lIns="152400" tIns="152400" rIns="152400" bIns="152400">
+          <a:bodyPr lIns="508000" tIns="508000" rIns="508000" bIns="508000">
             <a:normAutofit/>
           </a:bodyPr>
-          <a:lstStyle/>
+          <a:lstStyle>
+            <a:lvl2pPr indent="0"/>
+            <a:lvl3pPr indent="0"/>
+            <a:lvl4pPr indent="0"/>
+            <a:lvl5pPr indent="0"/>
+          </a:lstStyle>
           <a:p>
             <a:r>
               <a:t>본문 첫 번째 줄</a:t>
@@ -852,8 +857,8 @@
         </p:nvSpPr>
         <p:spPr>
           <a:xfrm>
-            <a:off x="22860000" y="13068300"/>
-            <a:ext cx="1524000" cy="647701"/>
+            <a:off x="22860000" y="13062153"/>
+            <a:ext cx="1524000" cy="659994"/>
           </a:xfrm>
           <a:prstGeom prst="rect">
             <a:avLst/>
@@ -874,7 +879,7 @@
               <a:spcBef>
                 <a:spcPts val="0"/>
               </a:spcBef>
-              <a:defRPr sz="2400" b="0"/>
+              <a:defRPr sz="2400"/>
             </a:lvl1pPr>
           </a:lstStyle>
           <a:p>
@@ -926,10 +931,10 @@
             </a:outerShdw>
           </a:effectLst>
           <a:uFillTx/>
-          <a:latin typeface="+mn-lt"/>
-          <a:ea typeface="+mn-ea"/>
-          <a:cs typeface="+mn-cs"/>
-          <a:sym typeface="나눔바른고딕"/>
+          <a:latin typeface="S-Core Dream 3 Light"/>
+          <a:ea typeface="S-Core Dream 3 Light"/>
+          <a:cs typeface="S-Core Dream 3 Light"/>
+          <a:sym typeface="S-Core Dream 3 Light"/>
         </a:defRPr>
       </a:lvl1pPr>
       <a:lvl2pPr marL="0" marR="0" indent="0" algn="r" defTabSz="1828800" rtl="0" latinLnBrk="0">
@@ -959,10 +964,10 @@
             </a:outerShdw>
           </a:effectLst>
           <a:uFillTx/>
-          <a:latin typeface="+mn-lt"/>
-          <a:ea typeface="+mn-ea"/>
-          <a:cs typeface="+mn-cs"/>
-          <a:sym typeface="나눔바른고딕"/>
+          <a:latin typeface="S-Core Dream 3 Light"/>
+          <a:ea typeface="S-Core Dream 3 Light"/>
+          <a:cs typeface="S-Core Dream 3 Light"/>
+          <a:sym typeface="S-Core Dream 3 Light"/>
         </a:defRPr>
       </a:lvl2pPr>
       <a:lvl3pPr marL="0" marR="0" indent="0" algn="r" defTabSz="1828800" rtl="0" latinLnBrk="0">
@@ -992,10 +997,10 @@
             </a:outerShdw>
           </a:effectLst>
           <a:uFillTx/>
-          <a:latin typeface="+mn-lt"/>
-          <a:ea typeface="+mn-ea"/>
-          <a:cs typeface="+mn-cs"/>
-          <a:sym typeface="나눔바른고딕"/>
+          <a:latin typeface="S-Core Dream 3 Light"/>
+          <a:ea typeface="S-Core Dream 3 Light"/>
+          <a:cs typeface="S-Core Dream 3 Light"/>
+          <a:sym typeface="S-Core Dream 3 Light"/>
         </a:defRPr>
       </a:lvl3pPr>
       <a:lvl4pPr marL="0" marR="0" indent="0" algn="r" defTabSz="1828800" rtl="0" latinLnBrk="0">
@@ -1025,10 +1030,10 @@
             </a:outerShdw>
           </a:effectLst>
           <a:uFillTx/>
-          <a:latin typeface="+mn-lt"/>
-          <a:ea typeface="+mn-ea"/>
-          <a:cs typeface="+mn-cs"/>
-          <a:sym typeface="나눔바른고딕"/>
+          <a:latin typeface="S-Core Dream 3 Light"/>
+          <a:ea typeface="S-Core Dream 3 Light"/>
+          <a:cs typeface="S-Core Dream 3 Light"/>
+          <a:sym typeface="S-Core Dream 3 Light"/>
         </a:defRPr>
       </a:lvl4pPr>
       <a:lvl5pPr marL="0" marR="0" indent="0" algn="r" defTabSz="1828800" rtl="0" latinLnBrk="0">
@@ -1058,10 +1063,10 @@
             </a:outerShdw>
           </a:effectLst>
           <a:uFillTx/>
-          <a:latin typeface="+mn-lt"/>
-          <a:ea typeface="+mn-ea"/>
-          <a:cs typeface="+mn-cs"/>
-          <a:sym typeface="나눔바른고딕"/>
+          <a:latin typeface="S-Core Dream 3 Light"/>
+          <a:ea typeface="S-Core Dream 3 Light"/>
+          <a:cs typeface="S-Core Dream 3 Light"/>
+          <a:sym typeface="S-Core Dream 3 Light"/>
         </a:defRPr>
       </a:lvl5pPr>
       <a:lvl6pPr marL="0" marR="0" indent="0" algn="r" defTabSz="1828800" rtl="0" latinLnBrk="0">
@@ -1091,10 +1096,10 @@
             </a:outerShdw>
           </a:effectLst>
           <a:uFillTx/>
-          <a:latin typeface="+mn-lt"/>
-          <a:ea typeface="+mn-ea"/>
-          <a:cs typeface="+mn-cs"/>
-          <a:sym typeface="나눔바른고딕"/>
+          <a:latin typeface="S-Core Dream 3 Light"/>
+          <a:ea typeface="S-Core Dream 3 Light"/>
+          <a:cs typeface="S-Core Dream 3 Light"/>
+          <a:sym typeface="S-Core Dream 3 Light"/>
         </a:defRPr>
       </a:lvl6pPr>
       <a:lvl7pPr marL="0" marR="0" indent="0" algn="r" defTabSz="1828800" rtl="0" latinLnBrk="0">
@@ -1124,10 +1129,10 @@
             </a:outerShdw>
           </a:effectLst>
           <a:uFillTx/>
-          <a:latin typeface="+mn-lt"/>
-          <a:ea typeface="+mn-ea"/>
-          <a:cs typeface="+mn-cs"/>
-          <a:sym typeface="나눔바른고딕"/>
+          <a:latin typeface="S-Core Dream 3 Light"/>
+          <a:ea typeface="S-Core Dream 3 Light"/>
+          <a:cs typeface="S-Core Dream 3 Light"/>
+          <a:sym typeface="S-Core Dream 3 Light"/>
         </a:defRPr>
       </a:lvl7pPr>
       <a:lvl8pPr marL="0" marR="0" indent="0" algn="r" defTabSz="1828800" rtl="0" latinLnBrk="0">
@@ -1157,10 +1162,10 @@
             </a:outerShdw>
           </a:effectLst>
           <a:uFillTx/>
-          <a:latin typeface="+mn-lt"/>
-          <a:ea typeface="+mn-ea"/>
-          <a:cs typeface="+mn-cs"/>
-          <a:sym typeface="나눔바른고딕"/>
+          <a:latin typeface="S-Core Dream 3 Light"/>
+          <a:ea typeface="S-Core Dream 3 Light"/>
+          <a:cs typeface="S-Core Dream 3 Light"/>
+          <a:sym typeface="S-Core Dream 3 Light"/>
         </a:defRPr>
       </a:lvl8pPr>
       <a:lvl9pPr marL="0" marR="0" indent="0" algn="r" defTabSz="1828800" rtl="0" latinLnBrk="0">
@@ -1190,20 +1195,20 @@
             </a:outerShdw>
           </a:effectLst>
           <a:uFillTx/>
-          <a:latin typeface="+mn-lt"/>
-          <a:ea typeface="+mn-ea"/>
-          <a:cs typeface="+mn-cs"/>
-          <a:sym typeface="나눔바른고딕"/>
+          <a:latin typeface="S-Core Dream 3 Light"/>
+          <a:ea typeface="S-Core Dream 3 Light"/>
+          <a:cs typeface="S-Core Dream 3 Light"/>
+          <a:sym typeface="S-Core Dream 3 Light"/>
         </a:defRPr>
       </a:lvl9pPr>
     </p:titleStyle>
     <p:bodyStyle>
       <a:lvl1pPr marL="0" marR="0" indent="0" algn="ctr" defTabSz="1828800" rtl="0" latinLnBrk="0">
         <a:lnSpc>
-          <a:spcPct val="150000"/>
+          <a:spcPct val="160000"/>
         </a:lnSpc>
         <a:spcBef>
-          <a:spcPts val="1200"/>
+          <a:spcPts val="600"/>
         </a:spcBef>
         <a:spcAft>
           <a:spcPts val="0"/>
@@ -1213,7 +1218,7 @@
         <a:buFontTx/>
         <a:buNone/>
         <a:tabLst/>
-        <a:defRPr sz="8000" b="1" i="0" u="none" strike="noStrike" cap="none" spc="0" baseline="0">
+        <a:defRPr sz="8000" b="0" i="0" u="none" strike="noStrike" cap="none" spc="0" baseline="0">
           <a:solidFill>
             <a:srgbClr val="FFFFFF"/>
           </a:solidFill>
@@ -1228,15 +1233,15 @@
           <a:latin typeface="+mn-lt"/>
           <a:ea typeface="+mn-ea"/>
           <a:cs typeface="+mn-cs"/>
-          <a:sym typeface="나눔바른고딕"/>
+          <a:sym typeface="S-Core Dream 5 Medium"/>
         </a:defRPr>
       </a:lvl1pPr>
       <a:lvl2pPr marL="0" marR="0" indent="228600" algn="ctr" defTabSz="1828800" rtl="0" latinLnBrk="0">
         <a:lnSpc>
-          <a:spcPct val="150000"/>
+          <a:spcPct val="160000"/>
         </a:lnSpc>
         <a:spcBef>
-          <a:spcPts val="1200"/>
+          <a:spcPts val="600"/>
         </a:spcBef>
         <a:spcAft>
           <a:spcPts val="0"/>
@@ -1246,7 +1251,7 @@
         <a:buFontTx/>
         <a:buNone/>
         <a:tabLst/>
-        <a:defRPr sz="8000" b="1" i="0" u="none" strike="noStrike" cap="none" spc="0" baseline="0">
+        <a:defRPr sz="8000" b="0" i="0" u="none" strike="noStrike" cap="none" spc="0" baseline="0">
           <a:solidFill>
             <a:srgbClr val="FFFFFF"/>
           </a:solidFill>
@@ -1261,15 +1266,15 @@
           <a:latin typeface="+mn-lt"/>
           <a:ea typeface="+mn-ea"/>
           <a:cs typeface="+mn-cs"/>
-          <a:sym typeface="나눔바른고딕"/>
+          <a:sym typeface="S-Core Dream 5 Medium"/>
         </a:defRPr>
       </a:lvl2pPr>
       <a:lvl3pPr marL="0" marR="0" indent="457200" algn="ctr" defTabSz="1828800" rtl="0" latinLnBrk="0">
         <a:lnSpc>
-          <a:spcPct val="150000"/>
+          <a:spcPct val="160000"/>
         </a:lnSpc>
         <a:spcBef>
-          <a:spcPts val="1200"/>
+          <a:spcPts val="600"/>
         </a:spcBef>
         <a:spcAft>
           <a:spcPts val="0"/>
@@ -1279,7 +1284,7 @@
         <a:buFontTx/>
         <a:buNone/>
         <a:tabLst/>
-        <a:defRPr sz="8000" b="1" i="0" u="none" strike="noStrike" cap="none" spc="0" baseline="0">
+        <a:defRPr sz="8000" b="0" i="0" u="none" strike="noStrike" cap="none" spc="0" baseline="0">
           <a:solidFill>
             <a:srgbClr val="FFFFFF"/>
           </a:solidFill>
@@ -1294,15 +1299,15 @@
           <a:latin typeface="+mn-lt"/>
           <a:ea typeface="+mn-ea"/>
           <a:cs typeface="+mn-cs"/>
-          <a:sym typeface="나눔바른고딕"/>
+          <a:sym typeface="S-Core Dream 5 Medium"/>
         </a:defRPr>
       </a:lvl3pPr>
       <a:lvl4pPr marL="0" marR="0" indent="685800" algn="ctr" defTabSz="1828800" rtl="0" latinLnBrk="0">
         <a:lnSpc>
-          <a:spcPct val="150000"/>
+          <a:spcPct val="160000"/>
         </a:lnSpc>
         <a:spcBef>
-          <a:spcPts val="1200"/>
+          <a:spcPts val="600"/>
         </a:spcBef>
         <a:spcAft>
           <a:spcPts val="0"/>
@@ -1312,7 +1317,7 @@
         <a:buFontTx/>
         <a:buNone/>
         <a:tabLst/>
-        <a:defRPr sz="8000" b="1" i="0" u="none" strike="noStrike" cap="none" spc="0" baseline="0">
+        <a:defRPr sz="8000" b="0" i="0" u="none" strike="noStrike" cap="none" spc="0" baseline="0">
           <a:solidFill>
             <a:srgbClr val="FFFFFF"/>
           </a:solidFill>
@@ -1327,15 +1332,15 @@
           <a:latin typeface="+mn-lt"/>
           <a:ea typeface="+mn-ea"/>
           <a:cs typeface="+mn-cs"/>
-          <a:sym typeface="나눔바른고딕"/>
+          <a:sym typeface="S-Core Dream 5 Medium"/>
         </a:defRPr>
       </a:lvl4pPr>
       <a:lvl5pPr marL="0" marR="0" indent="914400" algn="ctr" defTabSz="1828800" rtl="0" latinLnBrk="0">
         <a:lnSpc>
-          <a:spcPct val="150000"/>
+          <a:spcPct val="160000"/>
         </a:lnSpc>
         <a:spcBef>
-          <a:spcPts val="1200"/>
+          <a:spcPts val="600"/>
         </a:spcBef>
         <a:spcAft>
           <a:spcPts val="0"/>
@@ -1345,7 +1350,7 @@
         <a:buFontTx/>
         <a:buNone/>
         <a:tabLst/>
-        <a:defRPr sz="8000" b="1" i="0" u="none" strike="noStrike" cap="none" spc="0" baseline="0">
+        <a:defRPr sz="8000" b="0" i="0" u="none" strike="noStrike" cap="none" spc="0" baseline="0">
           <a:solidFill>
             <a:srgbClr val="FFFFFF"/>
           </a:solidFill>
@@ -1360,15 +1365,15 @@
           <a:latin typeface="+mn-lt"/>
           <a:ea typeface="+mn-ea"/>
           <a:cs typeface="+mn-cs"/>
-          <a:sym typeface="나눔바른고딕"/>
+          <a:sym typeface="S-Core Dream 5 Medium"/>
         </a:defRPr>
       </a:lvl5pPr>
       <a:lvl6pPr marL="0" marR="0" indent="1143000" algn="ctr" defTabSz="1828800" rtl="0" latinLnBrk="0">
         <a:lnSpc>
-          <a:spcPct val="150000"/>
+          <a:spcPct val="160000"/>
         </a:lnSpc>
         <a:spcBef>
-          <a:spcPts val="1200"/>
+          <a:spcPts val="600"/>
         </a:spcBef>
         <a:spcAft>
           <a:spcPts val="0"/>
@@ -1378,7 +1383,7 @@
         <a:buFontTx/>
         <a:buNone/>
         <a:tabLst/>
-        <a:defRPr sz="8000" b="1" i="0" u="none" strike="noStrike" cap="none" spc="0" baseline="0">
+        <a:defRPr sz="8000" b="0" i="0" u="none" strike="noStrike" cap="none" spc="0" baseline="0">
           <a:solidFill>
             <a:srgbClr val="FFFFFF"/>
           </a:solidFill>
@@ -1393,15 +1398,15 @@
           <a:latin typeface="+mn-lt"/>
           <a:ea typeface="+mn-ea"/>
           <a:cs typeface="+mn-cs"/>
-          <a:sym typeface="나눔바른고딕"/>
+          <a:sym typeface="S-Core Dream 5 Medium"/>
         </a:defRPr>
       </a:lvl6pPr>
       <a:lvl7pPr marL="0" marR="0" indent="1371600" algn="ctr" defTabSz="1828800" rtl="0" latinLnBrk="0">
         <a:lnSpc>
-          <a:spcPct val="150000"/>
+          <a:spcPct val="160000"/>
         </a:lnSpc>
         <a:spcBef>
-          <a:spcPts val="1200"/>
+          <a:spcPts val="600"/>
         </a:spcBef>
         <a:spcAft>
           <a:spcPts val="0"/>
@@ -1411,7 +1416,7 @@
         <a:buFontTx/>
         <a:buNone/>
         <a:tabLst/>
-        <a:defRPr sz="8000" b="1" i="0" u="none" strike="noStrike" cap="none" spc="0" baseline="0">
+        <a:defRPr sz="8000" b="0" i="0" u="none" strike="noStrike" cap="none" spc="0" baseline="0">
           <a:solidFill>
             <a:srgbClr val="FFFFFF"/>
           </a:solidFill>
@@ -1426,15 +1431,15 @@
           <a:latin typeface="+mn-lt"/>
           <a:ea typeface="+mn-ea"/>
           <a:cs typeface="+mn-cs"/>
-          <a:sym typeface="나눔바른고딕"/>
+          <a:sym typeface="S-Core Dream 5 Medium"/>
         </a:defRPr>
       </a:lvl7pPr>
       <a:lvl8pPr marL="0" marR="0" indent="1600200" algn="ctr" defTabSz="1828800" rtl="0" latinLnBrk="0">
         <a:lnSpc>
-          <a:spcPct val="150000"/>
+          <a:spcPct val="160000"/>
         </a:lnSpc>
         <a:spcBef>
-          <a:spcPts val="1200"/>
+          <a:spcPts val="600"/>
         </a:spcBef>
         <a:spcAft>
           <a:spcPts val="0"/>
@@ -1444,7 +1449,7 @@
         <a:buFontTx/>
         <a:buNone/>
         <a:tabLst/>
-        <a:defRPr sz="8000" b="1" i="0" u="none" strike="noStrike" cap="none" spc="0" baseline="0">
+        <a:defRPr sz="8000" b="0" i="0" u="none" strike="noStrike" cap="none" spc="0" baseline="0">
           <a:solidFill>
             <a:srgbClr val="FFFFFF"/>
           </a:solidFill>
@@ -1459,15 +1464,15 @@
           <a:latin typeface="+mn-lt"/>
           <a:ea typeface="+mn-ea"/>
           <a:cs typeface="+mn-cs"/>
-          <a:sym typeface="나눔바른고딕"/>
+          <a:sym typeface="S-Core Dream 5 Medium"/>
         </a:defRPr>
       </a:lvl8pPr>
       <a:lvl9pPr marL="0" marR="0" indent="1828800" algn="ctr" defTabSz="1828800" rtl="0" latinLnBrk="0">
         <a:lnSpc>
-          <a:spcPct val="150000"/>
+          <a:spcPct val="160000"/>
         </a:lnSpc>
         <a:spcBef>
-          <a:spcPts val="1200"/>
+          <a:spcPts val="600"/>
         </a:spcBef>
         <a:spcAft>
           <a:spcPts val="0"/>
@@ -1477,7 +1482,7 @@
         <a:buFontTx/>
         <a:buNone/>
         <a:tabLst/>
-        <a:defRPr sz="8000" b="1" i="0" u="none" strike="noStrike" cap="none" spc="0" baseline="0">
+        <a:defRPr sz="8000" b="0" i="0" u="none" strike="noStrike" cap="none" spc="0" baseline="0">
           <a:solidFill>
             <a:srgbClr val="FFFFFF"/>
           </a:solidFill>
@@ -1492,7 +1497,7 @@
           <a:latin typeface="+mn-lt"/>
           <a:ea typeface="+mn-ea"/>
           <a:cs typeface="+mn-cs"/>
-          <a:sym typeface="나눔바른고딕"/>
+          <a:sym typeface="S-Core Dream 5 Medium"/>
         </a:defRPr>
       </a:lvl9pPr>
     </p:bodyStyle>
@@ -1520,7 +1525,7 @@
           <a:latin typeface="+mn-lt"/>
           <a:ea typeface="+mn-ea"/>
           <a:cs typeface="+mn-cs"/>
-          <a:sym typeface="나눔바른고딕"/>
+          <a:sym typeface="S-Core Dream 5 Medium"/>
         </a:defRPr>
       </a:lvl1pPr>
       <a:lvl2pPr marL="0" marR="0" indent="228600" algn="ctr" defTabSz="914400" rtl="0" latinLnBrk="0">
@@ -1546,7 +1551,7 @@
           <a:latin typeface="+mn-lt"/>
           <a:ea typeface="+mn-ea"/>
           <a:cs typeface="+mn-cs"/>
-          <a:sym typeface="나눔바른고딕"/>
+          <a:sym typeface="S-Core Dream 5 Medium"/>
         </a:defRPr>
       </a:lvl2pPr>
       <a:lvl3pPr marL="0" marR="0" indent="457200" algn="ctr" defTabSz="914400" rtl="0" latinLnBrk="0">
@@ -1572,7 +1577,7 @@
           <a:latin typeface="+mn-lt"/>
           <a:ea typeface="+mn-ea"/>
           <a:cs typeface="+mn-cs"/>
-          <a:sym typeface="나눔바른고딕"/>
+          <a:sym typeface="S-Core Dream 5 Medium"/>
         </a:defRPr>
       </a:lvl3pPr>
       <a:lvl4pPr marL="0" marR="0" indent="685800" algn="ctr" defTabSz="914400" rtl="0" latinLnBrk="0">
@@ -1598,7 +1603,7 @@
           <a:latin typeface="+mn-lt"/>
           <a:ea typeface="+mn-ea"/>
           <a:cs typeface="+mn-cs"/>
-          <a:sym typeface="나눔바른고딕"/>
+          <a:sym typeface="S-Core Dream 5 Medium"/>
         </a:defRPr>
       </a:lvl4pPr>
       <a:lvl5pPr marL="0" marR="0" indent="914400" algn="ctr" defTabSz="914400" rtl="0" latinLnBrk="0">
@@ -1624,7 +1629,7 @@
           <a:latin typeface="+mn-lt"/>
           <a:ea typeface="+mn-ea"/>
           <a:cs typeface="+mn-cs"/>
-          <a:sym typeface="나눔바른고딕"/>
+          <a:sym typeface="S-Core Dream 5 Medium"/>
         </a:defRPr>
       </a:lvl5pPr>
       <a:lvl6pPr marL="0" marR="0" indent="1143000" algn="ctr" defTabSz="914400" rtl="0" latinLnBrk="0">
@@ -1650,7 +1655,7 @@
           <a:latin typeface="+mn-lt"/>
           <a:ea typeface="+mn-ea"/>
           <a:cs typeface="+mn-cs"/>
-          <a:sym typeface="나눔바른고딕"/>
+          <a:sym typeface="S-Core Dream 5 Medium"/>
         </a:defRPr>
       </a:lvl6pPr>
       <a:lvl7pPr marL="0" marR="0" indent="1371600" algn="ctr" defTabSz="914400" rtl="0" latinLnBrk="0">
@@ -1676,7 +1681,7 @@
           <a:latin typeface="+mn-lt"/>
           <a:ea typeface="+mn-ea"/>
           <a:cs typeface="+mn-cs"/>
-          <a:sym typeface="나눔바른고딕"/>
+          <a:sym typeface="S-Core Dream 5 Medium"/>
         </a:defRPr>
       </a:lvl7pPr>
       <a:lvl8pPr marL="0" marR="0" indent="1600200" algn="ctr" defTabSz="914400" rtl="0" latinLnBrk="0">
@@ -1702,7 +1707,7 @@
           <a:latin typeface="+mn-lt"/>
           <a:ea typeface="+mn-ea"/>
           <a:cs typeface="+mn-cs"/>
-          <a:sym typeface="나눔바른고딕"/>
+          <a:sym typeface="S-Core Dream 5 Medium"/>
         </a:defRPr>
       </a:lvl8pPr>
       <a:lvl9pPr marL="0" marR="0" indent="1828800" algn="ctr" defTabSz="914400" rtl="0" latinLnBrk="0">
@@ -1728,7 +1733,7 @@
           <a:latin typeface="+mn-lt"/>
           <a:ea typeface="+mn-ea"/>
           <a:cs typeface="+mn-cs"/>
-          <a:sym typeface="나눔바른고딕"/>
+          <a:sym typeface="S-Core Dream 5 Medium"/>
         </a:defRPr>
       </a:lvl9pPr>
     </p:otherStyle>
@@ -1779,14 +1784,14 @@
     </a:clrScheme>
     <a:fontScheme name="1_Office 테마">
       <a:majorFont>
-        <a:latin typeface="나눔바른고딕"/>
-        <a:ea typeface="나눔바른고딕"/>
-        <a:cs typeface="나눔바른고딕"/>
+        <a:latin typeface="S-Core Dream 5 Medium"/>
+        <a:ea typeface="S-Core Dream 5 Medium"/>
+        <a:cs typeface="S-Core Dream 5 Medium"/>
       </a:majorFont>
       <a:minorFont>
-        <a:latin typeface="나눔바른고딕"/>
-        <a:ea typeface="나눔바른고딕"/>
-        <a:cs typeface="나눔바른고딕"/>
+        <a:latin typeface="S-Core Dream 5 Medium"/>
+        <a:ea typeface="S-Core Dream 5 Medium"/>
+        <a:cs typeface="S-Core Dream 5 Medium"/>
       </a:minorFont>
     </a:fontScheme>
     <a:fmtScheme name="1_Office 테마">
@@ -1969,20 +1974,20 @@
       <a:lstStyle>
         <a:defPPr marL="0" marR="0" indent="0" algn="ctr" defTabSz="1828800" rtl="0" fontAlgn="auto" latinLnBrk="0" hangingPunct="0">
           <a:lnSpc>
-            <a:spcPct val="150000"/>
-          </a:lnSpc>
-          <a:spcBef>
-            <a:spcPts val="1200"/>
-          </a:spcBef>
-          <a:spcAft>
-            <a:spcPts val="0"/>
-          </a:spcAft>
-          <a:buClrTx/>
-          <a:buSzTx/>
-          <a:buFontTx/>
-          <a:buNone/>
-          <a:tabLst/>
-          <a:defRPr kumimoji="0" sz="8000" b="1" i="0" u="none" strike="noStrike" cap="none" spc="0" normalizeH="0" baseline="0">
+            <a:spcPct val="160000"/>
+          </a:lnSpc>
+          <a:spcBef>
+            <a:spcPts val="600"/>
+          </a:spcBef>
+          <a:spcAft>
+            <a:spcPts val="0"/>
+          </a:spcAft>
+          <a:buClrTx/>
+          <a:buSzTx/>
+          <a:buFontTx/>
+          <a:buNone/>
+          <a:tabLst/>
+          <a:defRPr kumimoji="0" sz="8000" b="0" i="0" u="none" strike="noStrike" cap="none" spc="0" normalizeH="0" baseline="0">
             <a:ln>
               <a:noFill/>
             </a:ln>
@@ -2000,7 +2005,7 @@
             <a:latin typeface="+mn-lt"/>
             <a:ea typeface="+mn-ea"/>
             <a:cs typeface="+mn-cs"/>
-            <a:sym typeface="나눔바른고딕"/>
+            <a:sym typeface="S-Core Dream 5 Medium"/>
           </a:defRPr>
         </a:defPPr>
         <a:lvl1pPr marL="0" marR="0" indent="0" algn="l" defTabSz="914400" rtl="0" fontAlgn="auto" latinLnBrk="1" hangingPunct="0">
@@ -2564,20 +2569,20 @@
       <a:lstStyle>
         <a:defPPr marL="0" marR="0" indent="0" algn="ctr" defTabSz="1828800" rtl="0" fontAlgn="auto" latinLnBrk="0" hangingPunct="0">
           <a:lnSpc>
-            <a:spcPct val="150000"/>
-          </a:lnSpc>
-          <a:spcBef>
-            <a:spcPts val="1200"/>
-          </a:spcBef>
-          <a:spcAft>
-            <a:spcPts val="0"/>
-          </a:spcAft>
-          <a:buClrTx/>
-          <a:buSzTx/>
-          <a:buFontTx/>
-          <a:buNone/>
-          <a:tabLst/>
-          <a:defRPr kumimoji="0" sz="8000" b="1" i="0" u="none" strike="noStrike" cap="none" spc="0" normalizeH="0" baseline="0">
+            <a:spcPct val="160000"/>
+          </a:lnSpc>
+          <a:spcBef>
+            <a:spcPts val="600"/>
+          </a:spcBef>
+          <a:spcAft>
+            <a:spcPts val="0"/>
+          </a:spcAft>
+          <a:buClrTx/>
+          <a:buSzTx/>
+          <a:buFontTx/>
+          <a:buNone/>
+          <a:tabLst/>
+          <a:defRPr kumimoji="0" sz="8000" b="0" i="0" u="none" strike="noStrike" cap="none" spc="0" normalizeH="0" baseline="0">
             <a:ln>
               <a:noFill/>
             </a:ln>
@@ -2595,7 +2600,7 @@
             <a:latin typeface="+mn-lt"/>
             <a:ea typeface="+mn-ea"/>
             <a:cs typeface="+mn-cs"/>
-            <a:sym typeface="나눔바른고딕"/>
+            <a:sym typeface="S-Core Dream 5 Medium"/>
           </a:defRPr>
         </a:defPPr>
         <a:lvl1pPr marL="0" marR="0" indent="0" algn="l" defTabSz="914400" rtl="0" fontAlgn="auto" latinLnBrk="1" hangingPunct="0">
@@ -2894,14 +2899,14 @@
     </a:clrScheme>
     <a:fontScheme name="1_Office 테마">
       <a:majorFont>
-        <a:latin typeface="나눔바른고딕"/>
-        <a:ea typeface="나눔바른고딕"/>
-        <a:cs typeface="나눔바른고딕"/>
+        <a:latin typeface="S-Core Dream 5 Medium"/>
+        <a:ea typeface="S-Core Dream 5 Medium"/>
+        <a:cs typeface="S-Core Dream 5 Medium"/>
       </a:majorFont>
       <a:minorFont>
-        <a:latin typeface="나눔바른고딕"/>
-        <a:ea typeface="나눔바른고딕"/>
-        <a:cs typeface="나눔바른고딕"/>
+        <a:latin typeface="S-Core Dream 5 Medium"/>
+        <a:ea typeface="S-Core Dream 5 Medium"/>
+        <a:cs typeface="S-Core Dream 5 Medium"/>
       </a:minorFont>
     </a:fontScheme>
     <a:fmtScheme name="1_Office 테마">
@@ -3084,20 +3089,20 @@
       <a:lstStyle>
         <a:defPPr marL="0" marR="0" indent="0" algn="ctr" defTabSz="1828800" rtl="0" fontAlgn="auto" latinLnBrk="0" hangingPunct="0">
           <a:lnSpc>
-            <a:spcPct val="150000"/>
-          </a:lnSpc>
-          <a:spcBef>
-            <a:spcPts val="1200"/>
-          </a:spcBef>
-          <a:spcAft>
-            <a:spcPts val="0"/>
-          </a:spcAft>
-          <a:buClrTx/>
-          <a:buSzTx/>
-          <a:buFontTx/>
-          <a:buNone/>
-          <a:tabLst/>
-          <a:defRPr kumimoji="0" sz="8000" b="1" i="0" u="none" strike="noStrike" cap="none" spc="0" normalizeH="0" baseline="0">
+            <a:spcPct val="160000"/>
+          </a:lnSpc>
+          <a:spcBef>
+            <a:spcPts val="600"/>
+          </a:spcBef>
+          <a:spcAft>
+            <a:spcPts val="0"/>
+          </a:spcAft>
+          <a:buClrTx/>
+          <a:buSzTx/>
+          <a:buFontTx/>
+          <a:buNone/>
+          <a:tabLst/>
+          <a:defRPr kumimoji="0" sz="8000" b="0" i="0" u="none" strike="noStrike" cap="none" spc="0" normalizeH="0" baseline="0">
             <a:ln>
               <a:noFill/>
             </a:ln>
@@ -3115,7 +3120,7 @@
             <a:latin typeface="+mn-lt"/>
             <a:ea typeface="+mn-ea"/>
             <a:cs typeface="+mn-cs"/>
-            <a:sym typeface="나눔바른고딕"/>
+            <a:sym typeface="S-Core Dream 5 Medium"/>
           </a:defRPr>
         </a:defPPr>
         <a:lvl1pPr marL="0" marR="0" indent="0" algn="l" defTabSz="914400" rtl="0" fontAlgn="auto" latinLnBrk="1" hangingPunct="0">
@@ -3679,20 +3684,20 @@
       <a:lstStyle>
         <a:defPPr marL="0" marR="0" indent="0" algn="ctr" defTabSz="1828800" rtl="0" fontAlgn="auto" latinLnBrk="0" hangingPunct="0">
           <a:lnSpc>
-            <a:spcPct val="150000"/>
-          </a:lnSpc>
-          <a:spcBef>
-            <a:spcPts val="1200"/>
-          </a:spcBef>
-          <a:spcAft>
-            <a:spcPts val="0"/>
-          </a:spcAft>
-          <a:buClrTx/>
-          <a:buSzTx/>
-          <a:buFontTx/>
-          <a:buNone/>
-          <a:tabLst/>
-          <a:defRPr kumimoji="0" sz="8000" b="1" i="0" u="none" strike="noStrike" cap="none" spc="0" normalizeH="0" baseline="0">
+            <a:spcPct val="160000"/>
+          </a:lnSpc>
+          <a:spcBef>
+            <a:spcPts val="600"/>
+          </a:spcBef>
+          <a:spcAft>
+            <a:spcPts val="0"/>
+          </a:spcAft>
+          <a:buClrTx/>
+          <a:buSzTx/>
+          <a:buFontTx/>
+          <a:buNone/>
+          <a:tabLst/>
+          <a:defRPr kumimoji="0" sz="8000" b="0" i="0" u="none" strike="noStrike" cap="none" spc="0" normalizeH="0" baseline="0">
             <a:ln>
               <a:noFill/>
             </a:ln>
@@ -3710,7 +3715,7 @@
             <a:latin typeface="+mn-lt"/>
             <a:ea typeface="+mn-ea"/>
             <a:cs typeface="+mn-cs"/>
-            <a:sym typeface="나눔바른고딕"/>
+            <a:sym typeface="S-Core Dream 5 Medium"/>
           </a:defRPr>
         </a:defPPr>
         <a:lvl1pPr marL="0" marR="0" indent="0" algn="l" defTabSz="914400" rtl="0" fontAlgn="auto" latinLnBrk="1" hangingPunct="0">
